--- a/4_methodology/architecture.pptx
+++ b/4_methodology/architecture.pptx
@@ -2,12 +2,12 @@
 <file path=ppt/presentation.xml><?xml version="1.0" encoding="utf-8"?>
 <p:presentation xmlns:a="http://schemas.openxmlformats.org/drawingml/2006/main" xmlns:r="http://schemas.openxmlformats.org/officeDocument/2006/relationships" xmlns:p="http://schemas.openxmlformats.org/presentationml/2006/main" saveSubsetFonts="1">
   <p:sldMasterIdLst>
-    <p:sldMasterId id="2147483672" r:id="rId1"/>
+    <p:sldMasterId id="2147483648" r:id="rId1"/>
   </p:sldMasterIdLst>
   <p:sldIdLst>
     <p:sldId id="256" r:id="rId2"/>
   </p:sldIdLst>
-  <p:sldSz cx="36312475" cy="18018125"/>
+  <p:sldSz cx="12192000" cy="6858000"/>
   <p:notesSz cx="6858000" cy="9144000"/>
   <p:defaultTextStyle>
     <a:defPPr>
@@ -136,15 +136,15 @@
         </p:nvSpPr>
         <p:spPr>
           <a:xfrm>
-            <a:off x="4539060" y="2948801"/>
-            <a:ext cx="27234356" cy="6272977"/>
+            <a:off x="1524000" y="1122363"/>
+            <a:ext cx="9144000" cy="2387600"/>
           </a:xfrm>
         </p:spPr>
         <p:txBody>
           <a:bodyPr anchor="b"/>
           <a:lstStyle>
             <a:lvl1pPr algn="ctr">
-              <a:defRPr sz="15764"/>
+              <a:defRPr sz="6000"/>
             </a:lvl1pPr>
           </a:lstStyle>
           <a:p>
@@ -152,7 +152,7 @@
               <a:rPr lang="en-US" smtClean="0"/>
               <a:t>Click to edit Master title style</a:t>
             </a:r>
-            <a:endParaRPr lang="en-US" dirty="0"/>
+            <a:endParaRPr lang="tr-TR"/>
           </a:p>
         </p:txBody>
       </p:sp>
@@ -168,8 +168,8 @@
         </p:nvSpPr>
         <p:spPr>
           <a:xfrm>
-            <a:off x="4539060" y="9463688"/>
-            <a:ext cx="27234356" cy="4350208"/>
+            <a:off x="1524000" y="3602038"/>
+            <a:ext cx="9144000" cy="1655762"/>
           </a:xfrm>
         </p:spPr>
         <p:txBody>
@@ -177,39 +177,39 @@
           <a:lstStyle>
             <a:lvl1pPr marL="0" indent="0" algn="ctr">
               <a:buNone/>
-              <a:defRPr sz="6306"/>
+              <a:defRPr sz="2400"/>
             </a:lvl1pPr>
-            <a:lvl2pPr marL="1201202" indent="0" algn="ctr">
-              <a:buNone/>
-              <a:defRPr sz="5255"/>
+            <a:lvl2pPr marL="457200" indent="0" algn="ctr">
+              <a:buNone/>
+              <a:defRPr sz="2000"/>
             </a:lvl2pPr>
-            <a:lvl3pPr marL="2402403" indent="0" algn="ctr">
-              <a:buNone/>
-              <a:defRPr sz="4729"/>
+            <a:lvl3pPr marL="914400" indent="0" algn="ctr">
+              <a:buNone/>
+              <a:defRPr sz="1800"/>
             </a:lvl3pPr>
-            <a:lvl4pPr marL="3603605" indent="0" algn="ctr">
-              <a:buNone/>
-              <a:defRPr sz="4204"/>
+            <a:lvl4pPr marL="1371600" indent="0" algn="ctr">
+              <a:buNone/>
+              <a:defRPr sz="1600"/>
             </a:lvl4pPr>
-            <a:lvl5pPr marL="4804806" indent="0" algn="ctr">
-              <a:buNone/>
-              <a:defRPr sz="4204"/>
+            <a:lvl5pPr marL="1828800" indent="0" algn="ctr">
+              <a:buNone/>
+              <a:defRPr sz="1600"/>
             </a:lvl5pPr>
-            <a:lvl6pPr marL="6006008" indent="0" algn="ctr">
-              <a:buNone/>
-              <a:defRPr sz="4204"/>
+            <a:lvl6pPr marL="2286000" indent="0" algn="ctr">
+              <a:buNone/>
+              <a:defRPr sz="1600"/>
             </a:lvl6pPr>
-            <a:lvl7pPr marL="7207209" indent="0" algn="ctr">
-              <a:buNone/>
-              <a:defRPr sz="4204"/>
+            <a:lvl7pPr marL="2743200" indent="0" algn="ctr">
+              <a:buNone/>
+              <a:defRPr sz="1600"/>
             </a:lvl7pPr>
-            <a:lvl8pPr marL="8408411" indent="0" algn="ctr">
-              <a:buNone/>
-              <a:defRPr sz="4204"/>
+            <a:lvl8pPr marL="3200400" indent="0" algn="ctr">
+              <a:buNone/>
+              <a:defRPr sz="1600"/>
             </a:lvl8pPr>
-            <a:lvl9pPr marL="9609612" indent="0" algn="ctr">
-              <a:buNone/>
-              <a:defRPr sz="4204"/>
+            <a:lvl9pPr marL="3657600" indent="0" algn="ctr">
+              <a:buNone/>
+              <a:defRPr sz="1600"/>
             </a:lvl9pPr>
           </a:lstStyle>
           <a:p>
@@ -217,7 +217,7 @@
               <a:rPr lang="en-US" smtClean="0"/>
               <a:t>Click to edit Master subtitle style</a:t>
             </a:r>
-            <a:endParaRPr lang="en-US" dirty="0"/>
+            <a:endParaRPr lang="tr-TR"/>
           </a:p>
         </p:txBody>
       </p:sp>
@@ -236,7 +236,7 @@
           <a:bodyPr/>
           <a:lstStyle/>
           <a:p>
-            <a:fld id="{34FF218C-DFA8-49B0-995D-1C458894FDBD}" type="datetimeFigureOut">
+            <a:fld id="{77C727DD-8D31-45EA-8A01-20304BB80289}" type="datetimeFigureOut">
               <a:rPr lang="tr-TR" smtClean="0"/>
               <a:t>16.07.2015</a:t>
             </a:fld>
@@ -278,7 +278,7 @@
           <a:bodyPr/>
           <a:lstStyle/>
           <a:p>
-            <a:fld id="{BD667682-A9B3-481E-897A-A03239AD6F82}" type="slidenum">
+            <a:fld id="{E886FF09-A17A-4812-8244-E7D7184204C3}" type="slidenum">
               <a:rPr lang="tr-TR" smtClean="0"/>
               <a:t>‹#›</a:t>
             </a:fld>
@@ -289,7 +289,7 @@
     </p:spTree>
     <p:extLst>
       <p:ext uri="{BB962C8B-B14F-4D97-AF65-F5344CB8AC3E}">
-        <p14:creationId xmlns:p14="http://schemas.microsoft.com/office/powerpoint/2010/main" val="3819716141"/>
+        <p14:creationId xmlns:p14="http://schemas.microsoft.com/office/powerpoint/2010/main" val="1775967638"/>
       </p:ext>
     </p:extLst>
   </p:cSld>
@@ -335,7 +335,7 @@
               <a:rPr lang="en-US" smtClean="0"/>
               <a:t>Click to edit Master title style</a:t>
             </a:r>
-            <a:endParaRPr lang="en-US" dirty="0"/>
+            <a:endParaRPr lang="tr-TR"/>
           </a:p>
         </p:txBody>
       </p:sp>
@@ -387,7 +387,7 @@
               <a:rPr lang="en-US" smtClean="0"/>
               <a:t>Fifth level</a:t>
             </a:r>
-            <a:endParaRPr lang="en-US" dirty="0"/>
+            <a:endParaRPr lang="tr-TR"/>
           </a:p>
         </p:txBody>
       </p:sp>
@@ -406,7 +406,7 @@
           <a:bodyPr/>
           <a:lstStyle/>
           <a:p>
-            <a:fld id="{34FF218C-DFA8-49B0-995D-1C458894FDBD}" type="datetimeFigureOut">
+            <a:fld id="{77C727DD-8D31-45EA-8A01-20304BB80289}" type="datetimeFigureOut">
               <a:rPr lang="tr-TR" smtClean="0"/>
               <a:t>16.07.2015</a:t>
             </a:fld>
@@ -448,7 +448,7 @@
           <a:bodyPr/>
           <a:lstStyle/>
           <a:p>
-            <a:fld id="{BD667682-A9B3-481E-897A-A03239AD6F82}" type="slidenum">
+            <a:fld id="{E886FF09-A17A-4812-8244-E7D7184204C3}" type="slidenum">
               <a:rPr lang="tr-TR" smtClean="0"/>
               <a:t>‹#›</a:t>
             </a:fld>
@@ -459,7 +459,7 @@
     </p:spTree>
     <p:extLst>
       <p:ext uri="{BB962C8B-B14F-4D97-AF65-F5344CB8AC3E}">
-        <p14:creationId xmlns:p14="http://schemas.microsoft.com/office/powerpoint/2010/main" val="1669441786"/>
+        <p14:creationId xmlns:p14="http://schemas.microsoft.com/office/powerpoint/2010/main" val="3217910680"/>
       </p:ext>
     </p:extLst>
   </p:cSld>
@@ -498,8 +498,8 @@
         </p:nvSpPr>
         <p:spPr>
           <a:xfrm>
-            <a:off x="25986115" y="959298"/>
-            <a:ext cx="7829877" cy="15269528"/>
+            <a:off x="8724900" y="365125"/>
+            <a:ext cx="2628900" cy="5811838"/>
           </a:xfrm>
         </p:spPr>
         <p:txBody>
@@ -510,7 +510,7 @@
               <a:rPr lang="en-US" smtClean="0"/>
               <a:t>Click to edit Master title style</a:t>
             </a:r>
-            <a:endParaRPr lang="en-US" dirty="0"/>
+            <a:endParaRPr lang="tr-TR"/>
           </a:p>
         </p:txBody>
       </p:sp>
@@ -526,8 +526,8 @@
         </p:nvSpPr>
         <p:spPr>
           <a:xfrm>
-            <a:off x="2496483" y="959298"/>
-            <a:ext cx="23035726" cy="15269528"/>
+            <a:off x="838200" y="365125"/>
+            <a:ext cx="7734300" cy="5811838"/>
           </a:xfrm>
         </p:spPr>
         <p:txBody>
@@ -567,7 +567,7 @@
               <a:rPr lang="en-US" smtClean="0"/>
               <a:t>Fifth level</a:t>
             </a:r>
-            <a:endParaRPr lang="en-US" dirty="0"/>
+            <a:endParaRPr lang="tr-TR"/>
           </a:p>
         </p:txBody>
       </p:sp>
@@ -586,7 +586,7 @@
           <a:bodyPr/>
           <a:lstStyle/>
           <a:p>
-            <a:fld id="{34FF218C-DFA8-49B0-995D-1C458894FDBD}" type="datetimeFigureOut">
+            <a:fld id="{77C727DD-8D31-45EA-8A01-20304BB80289}" type="datetimeFigureOut">
               <a:rPr lang="tr-TR" smtClean="0"/>
               <a:t>16.07.2015</a:t>
             </a:fld>
@@ -628,7 +628,7 @@
           <a:bodyPr/>
           <a:lstStyle/>
           <a:p>
-            <a:fld id="{BD667682-A9B3-481E-897A-A03239AD6F82}" type="slidenum">
+            <a:fld id="{E886FF09-A17A-4812-8244-E7D7184204C3}" type="slidenum">
               <a:rPr lang="tr-TR" smtClean="0"/>
               <a:t>‹#›</a:t>
             </a:fld>
@@ -639,7 +639,7 @@
     </p:spTree>
     <p:extLst>
       <p:ext uri="{BB962C8B-B14F-4D97-AF65-F5344CB8AC3E}">
-        <p14:creationId xmlns:p14="http://schemas.microsoft.com/office/powerpoint/2010/main" val="3889972706"/>
+        <p14:creationId xmlns:p14="http://schemas.microsoft.com/office/powerpoint/2010/main" val="693531890"/>
       </p:ext>
     </p:extLst>
   </p:cSld>
@@ -685,7 +685,7 @@
               <a:rPr lang="en-US" smtClean="0"/>
               <a:t>Click to edit Master title style</a:t>
             </a:r>
-            <a:endParaRPr lang="en-US" dirty="0"/>
+            <a:endParaRPr lang="tr-TR"/>
           </a:p>
         </p:txBody>
       </p:sp>
@@ -737,7 +737,7 @@
               <a:rPr lang="en-US" smtClean="0"/>
               <a:t>Fifth level</a:t>
             </a:r>
-            <a:endParaRPr lang="en-US" dirty="0"/>
+            <a:endParaRPr lang="tr-TR"/>
           </a:p>
         </p:txBody>
       </p:sp>
@@ -756,7 +756,7 @@
           <a:bodyPr/>
           <a:lstStyle/>
           <a:p>
-            <a:fld id="{34FF218C-DFA8-49B0-995D-1C458894FDBD}" type="datetimeFigureOut">
+            <a:fld id="{77C727DD-8D31-45EA-8A01-20304BB80289}" type="datetimeFigureOut">
               <a:rPr lang="tr-TR" smtClean="0"/>
               <a:t>16.07.2015</a:t>
             </a:fld>
@@ -798,7 +798,7 @@
           <a:bodyPr/>
           <a:lstStyle/>
           <a:p>
-            <a:fld id="{BD667682-A9B3-481E-897A-A03239AD6F82}" type="slidenum">
+            <a:fld id="{E886FF09-A17A-4812-8244-E7D7184204C3}" type="slidenum">
               <a:rPr lang="tr-TR" smtClean="0"/>
               <a:t>‹#›</a:t>
             </a:fld>
@@ -809,7 +809,7 @@
     </p:spTree>
     <p:extLst>
       <p:ext uri="{BB962C8B-B14F-4D97-AF65-F5344CB8AC3E}">
-        <p14:creationId xmlns:p14="http://schemas.microsoft.com/office/powerpoint/2010/main" val="3647358630"/>
+        <p14:creationId xmlns:p14="http://schemas.microsoft.com/office/powerpoint/2010/main" val="1175513086"/>
       </p:ext>
     </p:extLst>
   </p:cSld>
@@ -848,15 +848,15 @@
         </p:nvSpPr>
         <p:spPr>
           <a:xfrm>
-            <a:off x="2477570" y="4492021"/>
-            <a:ext cx="31319510" cy="7495038"/>
+            <a:off x="831850" y="1709738"/>
+            <a:ext cx="10515600" cy="2852737"/>
           </a:xfrm>
         </p:spPr>
         <p:txBody>
           <a:bodyPr anchor="b"/>
           <a:lstStyle>
             <a:lvl1pPr>
-              <a:defRPr sz="15764"/>
+              <a:defRPr sz="6000"/>
             </a:lvl1pPr>
           </a:lstStyle>
           <a:p>
@@ -864,7 +864,7 @@
               <a:rPr lang="en-US" smtClean="0"/>
               <a:t>Click to edit Master title style</a:t>
             </a:r>
-            <a:endParaRPr lang="en-US" dirty="0"/>
+            <a:endParaRPr lang="tr-TR"/>
           </a:p>
         </p:txBody>
       </p:sp>
@@ -880,8 +880,8 @@
         </p:nvSpPr>
         <p:spPr>
           <a:xfrm>
-            <a:off x="2477570" y="12057965"/>
-            <a:ext cx="31319510" cy="3941464"/>
+            <a:off x="831850" y="4589463"/>
+            <a:ext cx="10515600" cy="1500187"/>
           </a:xfrm>
         </p:spPr>
         <p:txBody>
@@ -889,7 +889,7 @@
           <a:lstStyle>
             <a:lvl1pPr marL="0" indent="0">
               <a:buNone/>
-              <a:defRPr sz="6306">
+              <a:defRPr sz="2400">
                 <a:solidFill>
                   <a:schemeClr val="tx1">
                     <a:tint val="75000"/>
@@ -897,9 +897,9 @@
                 </a:solidFill>
               </a:defRPr>
             </a:lvl1pPr>
-            <a:lvl2pPr marL="1201202" indent="0">
-              <a:buNone/>
-              <a:defRPr sz="5255">
+            <a:lvl2pPr marL="457200" indent="0">
+              <a:buNone/>
+              <a:defRPr sz="2000">
                 <a:solidFill>
                   <a:schemeClr val="tx1">
                     <a:tint val="75000"/>
@@ -907,9 +907,9 @@
                 </a:solidFill>
               </a:defRPr>
             </a:lvl2pPr>
-            <a:lvl3pPr marL="2402403" indent="0">
-              <a:buNone/>
-              <a:defRPr sz="4729">
+            <a:lvl3pPr marL="914400" indent="0">
+              <a:buNone/>
+              <a:defRPr sz="1800">
                 <a:solidFill>
                   <a:schemeClr val="tx1">
                     <a:tint val="75000"/>
@@ -917,9 +917,9 @@
                 </a:solidFill>
               </a:defRPr>
             </a:lvl3pPr>
-            <a:lvl4pPr marL="3603605" indent="0">
-              <a:buNone/>
-              <a:defRPr sz="4204">
+            <a:lvl4pPr marL="1371600" indent="0">
+              <a:buNone/>
+              <a:defRPr sz="1600">
                 <a:solidFill>
                   <a:schemeClr val="tx1">
                     <a:tint val="75000"/>
@@ -927,9 +927,9 @@
                 </a:solidFill>
               </a:defRPr>
             </a:lvl4pPr>
-            <a:lvl5pPr marL="4804806" indent="0">
-              <a:buNone/>
-              <a:defRPr sz="4204">
+            <a:lvl5pPr marL="1828800" indent="0">
+              <a:buNone/>
+              <a:defRPr sz="1600">
                 <a:solidFill>
                   <a:schemeClr val="tx1">
                     <a:tint val="75000"/>
@@ -937,9 +937,9 @@
                 </a:solidFill>
               </a:defRPr>
             </a:lvl5pPr>
-            <a:lvl6pPr marL="6006008" indent="0">
-              <a:buNone/>
-              <a:defRPr sz="4204">
+            <a:lvl6pPr marL="2286000" indent="0">
+              <a:buNone/>
+              <a:defRPr sz="1600">
                 <a:solidFill>
                   <a:schemeClr val="tx1">
                     <a:tint val="75000"/>
@@ -947,9 +947,9 @@
                 </a:solidFill>
               </a:defRPr>
             </a:lvl6pPr>
-            <a:lvl7pPr marL="7207209" indent="0">
-              <a:buNone/>
-              <a:defRPr sz="4204">
+            <a:lvl7pPr marL="2743200" indent="0">
+              <a:buNone/>
+              <a:defRPr sz="1600">
                 <a:solidFill>
                   <a:schemeClr val="tx1">
                     <a:tint val="75000"/>
@@ -957,9 +957,9 @@
                 </a:solidFill>
               </a:defRPr>
             </a:lvl7pPr>
-            <a:lvl8pPr marL="8408411" indent="0">
-              <a:buNone/>
-              <a:defRPr sz="4204">
+            <a:lvl8pPr marL="3200400" indent="0">
+              <a:buNone/>
+              <a:defRPr sz="1600">
                 <a:solidFill>
                   <a:schemeClr val="tx1">
                     <a:tint val="75000"/>
@@ -967,9 +967,9 @@
                 </a:solidFill>
               </a:defRPr>
             </a:lvl8pPr>
-            <a:lvl9pPr marL="9609612" indent="0">
-              <a:buNone/>
-              <a:defRPr sz="4204">
+            <a:lvl9pPr marL="3657600" indent="0">
+              <a:buNone/>
+              <a:defRPr sz="1600">
                 <a:solidFill>
                   <a:schemeClr val="tx1">
                     <a:tint val="75000"/>
@@ -1002,7 +1002,7 @@
           <a:bodyPr/>
           <a:lstStyle/>
           <a:p>
-            <a:fld id="{34FF218C-DFA8-49B0-995D-1C458894FDBD}" type="datetimeFigureOut">
+            <a:fld id="{77C727DD-8D31-45EA-8A01-20304BB80289}" type="datetimeFigureOut">
               <a:rPr lang="tr-TR" smtClean="0"/>
               <a:t>16.07.2015</a:t>
             </a:fld>
@@ -1044,7 +1044,7 @@
           <a:bodyPr/>
           <a:lstStyle/>
           <a:p>
-            <a:fld id="{BD667682-A9B3-481E-897A-A03239AD6F82}" type="slidenum">
+            <a:fld id="{E886FF09-A17A-4812-8244-E7D7184204C3}" type="slidenum">
               <a:rPr lang="tr-TR" smtClean="0"/>
               <a:t>‹#›</a:t>
             </a:fld>
@@ -1055,7 +1055,7 @@
     </p:spTree>
     <p:extLst>
       <p:ext uri="{BB962C8B-B14F-4D97-AF65-F5344CB8AC3E}">
-        <p14:creationId xmlns:p14="http://schemas.microsoft.com/office/powerpoint/2010/main" val="3461239913"/>
+        <p14:creationId xmlns:p14="http://schemas.microsoft.com/office/powerpoint/2010/main" val="4123322807"/>
       </p:ext>
     </p:extLst>
   </p:cSld>
@@ -1101,7 +1101,7 @@
               <a:rPr lang="en-US" smtClean="0"/>
               <a:t>Click to edit Master title style</a:t>
             </a:r>
-            <a:endParaRPr lang="en-US" dirty="0"/>
+            <a:endParaRPr lang="tr-TR"/>
           </a:p>
         </p:txBody>
       </p:sp>
@@ -1117,8 +1117,8 @@
         </p:nvSpPr>
         <p:spPr>
           <a:xfrm>
-            <a:off x="2496483" y="4796492"/>
-            <a:ext cx="15432802" cy="11432335"/>
+            <a:off x="838200" y="1825625"/>
+            <a:ext cx="5181600" cy="4351338"/>
           </a:xfrm>
         </p:spPr>
         <p:txBody>
@@ -1158,7 +1158,7 @@
               <a:rPr lang="en-US" smtClean="0"/>
               <a:t>Fifth level</a:t>
             </a:r>
-            <a:endParaRPr lang="en-US" dirty="0"/>
+            <a:endParaRPr lang="tr-TR"/>
           </a:p>
         </p:txBody>
       </p:sp>
@@ -1174,8 +1174,8 @@
         </p:nvSpPr>
         <p:spPr>
           <a:xfrm>
-            <a:off x="18383190" y="4796492"/>
-            <a:ext cx="15432802" cy="11432335"/>
+            <a:off x="6172200" y="1825625"/>
+            <a:ext cx="5181600" cy="4351338"/>
           </a:xfrm>
         </p:spPr>
         <p:txBody>
@@ -1215,7 +1215,7 @@
               <a:rPr lang="en-US" smtClean="0"/>
               <a:t>Fifth level</a:t>
             </a:r>
-            <a:endParaRPr lang="en-US" dirty="0"/>
+            <a:endParaRPr lang="tr-TR"/>
           </a:p>
         </p:txBody>
       </p:sp>
@@ -1234,7 +1234,7 @@
           <a:bodyPr/>
           <a:lstStyle/>
           <a:p>
-            <a:fld id="{34FF218C-DFA8-49B0-995D-1C458894FDBD}" type="datetimeFigureOut">
+            <a:fld id="{77C727DD-8D31-45EA-8A01-20304BB80289}" type="datetimeFigureOut">
               <a:rPr lang="tr-TR" smtClean="0"/>
               <a:t>16.07.2015</a:t>
             </a:fld>
@@ -1276,7 +1276,7 @@
           <a:bodyPr/>
           <a:lstStyle/>
           <a:p>
-            <a:fld id="{BD667682-A9B3-481E-897A-A03239AD6F82}" type="slidenum">
+            <a:fld id="{E886FF09-A17A-4812-8244-E7D7184204C3}" type="slidenum">
               <a:rPr lang="tr-TR" smtClean="0"/>
               <a:t>‹#›</a:t>
             </a:fld>
@@ -1287,7 +1287,7 @@
     </p:spTree>
     <p:extLst>
       <p:ext uri="{BB962C8B-B14F-4D97-AF65-F5344CB8AC3E}">
-        <p14:creationId xmlns:p14="http://schemas.microsoft.com/office/powerpoint/2010/main" val="3782097408"/>
+        <p14:creationId xmlns:p14="http://schemas.microsoft.com/office/powerpoint/2010/main" val="3368247384"/>
       </p:ext>
     </p:extLst>
   </p:cSld>
@@ -1326,8 +1326,8 @@
         </p:nvSpPr>
         <p:spPr>
           <a:xfrm>
-            <a:off x="2501212" y="959300"/>
-            <a:ext cx="31319510" cy="3482671"/>
+            <a:off x="839788" y="365125"/>
+            <a:ext cx="10515600" cy="1325563"/>
           </a:xfrm>
         </p:spPr>
         <p:txBody>
@@ -1338,7 +1338,7 @@
               <a:rPr lang="en-US" smtClean="0"/>
               <a:t>Click to edit Master title style</a:t>
             </a:r>
-            <a:endParaRPr lang="en-US" dirty="0"/>
+            <a:endParaRPr lang="tr-TR"/>
           </a:p>
         </p:txBody>
       </p:sp>
@@ -1354,8 +1354,8 @@
         </p:nvSpPr>
         <p:spPr>
           <a:xfrm>
-            <a:off x="2501214" y="4416945"/>
-            <a:ext cx="15361878" cy="2164676"/>
+            <a:off x="839788" y="1681163"/>
+            <a:ext cx="5157787" cy="823912"/>
           </a:xfrm>
         </p:spPr>
         <p:txBody>
@@ -1363,39 +1363,39 @@
           <a:lstStyle>
             <a:lvl1pPr marL="0" indent="0">
               <a:buNone/>
-              <a:defRPr sz="6306" b="1"/>
+              <a:defRPr sz="2400" b="1"/>
             </a:lvl1pPr>
-            <a:lvl2pPr marL="1201202" indent="0">
-              <a:buNone/>
-              <a:defRPr sz="5255" b="1"/>
+            <a:lvl2pPr marL="457200" indent="0">
+              <a:buNone/>
+              <a:defRPr sz="2000" b="1"/>
             </a:lvl2pPr>
-            <a:lvl3pPr marL="2402403" indent="0">
-              <a:buNone/>
-              <a:defRPr sz="4729" b="1"/>
+            <a:lvl3pPr marL="914400" indent="0">
+              <a:buNone/>
+              <a:defRPr sz="1800" b="1"/>
             </a:lvl3pPr>
-            <a:lvl4pPr marL="3603605" indent="0">
-              <a:buNone/>
-              <a:defRPr sz="4204" b="1"/>
+            <a:lvl4pPr marL="1371600" indent="0">
+              <a:buNone/>
+              <a:defRPr sz="1600" b="1"/>
             </a:lvl4pPr>
-            <a:lvl5pPr marL="4804806" indent="0">
-              <a:buNone/>
-              <a:defRPr sz="4204" b="1"/>
+            <a:lvl5pPr marL="1828800" indent="0">
+              <a:buNone/>
+              <a:defRPr sz="1600" b="1"/>
             </a:lvl5pPr>
-            <a:lvl6pPr marL="6006008" indent="0">
-              <a:buNone/>
-              <a:defRPr sz="4204" b="1"/>
+            <a:lvl6pPr marL="2286000" indent="0">
+              <a:buNone/>
+              <a:defRPr sz="1600" b="1"/>
             </a:lvl6pPr>
-            <a:lvl7pPr marL="7207209" indent="0">
-              <a:buNone/>
-              <a:defRPr sz="4204" b="1"/>
+            <a:lvl7pPr marL="2743200" indent="0">
+              <a:buNone/>
+              <a:defRPr sz="1600" b="1"/>
             </a:lvl7pPr>
-            <a:lvl8pPr marL="8408411" indent="0">
-              <a:buNone/>
-              <a:defRPr sz="4204" b="1"/>
+            <a:lvl8pPr marL="3200400" indent="0">
+              <a:buNone/>
+              <a:defRPr sz="1600" b="1"/>
             </a:lvl8pPr>
-            <a:lvl9pPr marL="9609612" indent="0">
-              <a:buNone/>
-              <a:defRPr sz="4204" b="1"/>
+            <a:lvl9pPr marL="3657600" indent="0">
+              <a:buNone/>
+              <a:defRPr sz="1600" b="1"/>
             </a:lvl9pPr>
           </a:lstStyle>
           <a:p>
@@ -1419,8 +1419,8 @@
         </p:nvSpPr>
         <p:spPr>
           <a:xfrm>
-            <a:off x="2501214" y="6581620"/>
-            <a:ext cx="15361878" cy="9680573"/>
+            <a:off x="839788" y="2505075"/>
+            <a:ext cx="5157787" cy="3684588"/>
           </a:xfrm>
         </p:spPr>
         <p:txBody>
@@ -1460,7 +1460,7 @@
               <a:rPr lang="en-US" smtClean="0"/>
               <a:t>Fifth level</a:t>
             </a:r>
-            <a:endParaRPr lang="en-US" dirty="0"/>
+            <a:endParaRPr lang="tr-TR"/>
           </a:p>
         </p:txBody>
       </p:sp>
@@ -1476,8 +1476,8 @@
         </p:nvSpPr>
         <p:spPr>
           <a:xfrm>
-            <a:off x="18383190" y="4416945"/>
-            <a:ext cx="15437532" cy="2164676"/>
+            <a:off x="6172200" y="1681163"/>
+            <a:ext cx="5183188" cy="823912"/>
           </a:xfrm>
         </p:spPr>
         <p:txBody>
@@ -1485,39 +1485,39 @@
           <a:lstStyle>
             <a:lvl1pPr marL="0" indent="0">
               <a:buNone/>
-              <a:defRPr sz="6306" b="1"/>
+              <a:defRPr sz="2400" b="1"/>
             </a:lvl1pPr>
-            <a:lvl2pPr marL="1201202" indent="0">
-              <a:buNone/>
-              <a:defRPr sz="5255" b="1"/>
+            <a:lvl2pPr marL="457200" indent="0">
+              <a:buNone/>
+              <a:defRPr sz="2000" b="1"/>
             </a:lvl2pPr>
-            <a:lvl3pPr marL="2402403" indent="0">
-              <a:buNone/>
-              <a:defRPr sz="4729" b="1"/>
+            <a:lvl3pPr marL="914400" indent="0">
+              <a:buNone/>
+              <a:defRPr sz="1800" b="1"/>
             </a:lvl3pPr>
-            <a:lvl4pPr marL="3603605" indent="0">
-              <a:buNone/>
-              <a:defRPr sz="4204" b="1"/>
+            <a:lvl4pPr marL="1371600" indent="0">
+              <a:buNone/>
+              <a:defRPr sz="1600" b="1"/>
             </a:lvl4pPr>
-            <a:lvl5pPr marL="4804806" indent="0">
-              <a:buNone/>
-              <a:defRPr sz="4204" b="1"/>
+            <a:lvl5pPr marL="1828800" indent="0">
+              <a:buNone/>
+              <a:defRPr sz="1600" b="1"/>
             </a:lvl5pPr>
-            <a:lvl6pPr marL="6006008" indent="0">
-              <a:buNone/>
-              <a:defRPr sz="4204" b="1"/>
+            <a:lvl6pPr marL="2286000" indent="0">
+              <a:buNone/>
+              <a:defRPr sz="1600" b="1"/>
             </a:lvl6pPr>
-            <a:lvl7pPr marL="7207209" indent="0">
-              <a:buNone/>
-              <a:defRPr sz="4204" b="1"/>
+            <a:lvl7pPr marL="2743200" indent="0">
+              <a:buNone/>
+              <a:defRPr sz="1600" b="1"/>
             </a:lvl7pPr>
-            <a:lvl8pPr marL="8408411" indent="0">
-              <a:buNone/>
-              <a:defRPr sz="4204" b="1"/>
+            <a:lvl8pPr marL="3200400" indent="0">
+              <a:buNone/>
+              <a:defRPr sz="1600" b="1"/>
             </a:lvl8pPr>
-            <a:lvl9pPr marL="9609612" indent="0">
-              <a:buNone/>
-              <a:defRPr sz="4204" b="1"/>
+            <a:lvl9pPr marL="3657600" indent="0">
+              <a:buNone/>
+              <a:defRPr sz="1600" b="1"/>
             </a:lvl9pPr>
           </a:lstStyle>
           <a:p>
@@ -1541,8 +1541,8 @@
         </p:nvSpPr>
         <p:spPr>
           <a:xfrm>
-            <a:off x="18383190" y="6581620"/>
-            <a:ext cx="15437532" cy="9680573"/>
+            <a:off x="6172200" y="2505075"/>
+            <a:ext cx="5183188" cy="3684588"/>
           </a:xfrm>
         </p:spPr>
         <p:txBody>
@@ -1582,7 +1582,7 @@
               <a:rPr lang="en-US" smtClean="0"/>
               <a:t>Fifth level</a:t>
             </a:r>
-            <a:endParaRPr lang="en-US" dirty="0"/>
+            <a:endParaRPr lang="tr-TR"/>
           </a:p>
         </p:txBody>
       </p:sp>
@@ -1601,7 +1601,7 @@
           <a:bodyPr/>
           <a:lstStyle/>
           <a:p>
-            <a:fld id="{34FF218C-DFA8-49B0-995D-1C458894FDBD}" type="datetimeFigureOut">
+            <a:fld id="{77C727DD-8D31-45EA-8A01-20304BB80289}" type="datetimeFigureOut">
               <a:rPr lang="tr-TR" smtClean="0"/>
               <a:t>16.07.2015</a:t>
             </a:fld>
@@ -1643,7 +1643,7 @@
           <a:bodyPr/>
           <a:lstStyle/>
           <a:p>
-            <a:fld id="{BD667682-A9B3-481E-897A-A03239AD6F82}" type="slidenum">
+            <a:fld id="{E886FF09-A17A-4812-8244-E7D7184204C3}" type="slidenum">
               <a:rPr lang="tr-TR" smtClean="0"/>
               <a:t>‹#›</a:t>
             </a:fld>
@@ -1654,7 +1654,7 @@
     </p:spTree>
     <p:extLst>
       <p:ext uri="{BB962C8B-B14F-4D97-AF65-F5344CB8AC3E}">
-        <p14:creationId xmlns:p14="http://schemas.microsoft.com/office/powerpoint/2010/main" val="2696774806"/>
+        <p14:creationId xmlns:p14="http://schemas.microsoft.com/office/powerpoint/2010/main" val="2857761073"/>
       </p:ext>
     </p:extLst>
   </p:cSld>
@@ -1700,7 +1700,7 @@
               <a:rPr lang="en-US" smtClean="0"/>
               <a:t>Click to edit Master title style</a:t>
             </a:r>
-            <a:endParaRPr lang="en-US" dirty="0"/>
+            <a:endParaRPr lang="tr-TR"/>
           </a:p>
         </p:txBody>
       </p:sp>
@@ -1719,7 +1719,7 @@
           <a:bodyPr/>
           <a:lstStyle/>
           <a:p>
-            <a:fld id="{34FF218C-DFA8-49B0-995D-1C458894FDBD}" type="datetimeFigureOut">
+            <a:fld id="{77C727DD-8D31-45EA-8A01-20304BB80289}" type="datetimeFigureOut">
               <a:rPr lang="tr-TR" smtClean="0"/>
               <a:t>16.07.2015</a:t>
             </a:fld>
@@ -1761,7 +1761,7 @@
           <a:bodyPr/>
           <a:lstStyle/>
           <a:p>
-            <a:fld id="{BD667682-A9B3-481E-897A-A03239AD6F82}" type="slidenum">
+            <a:fld id="{E886FF09-A17A-4812-8244-E7D7184204C3}" type="slidenum">
               <a:rPr lang="tr-TR" smtClean="0"/>
               <a:t>‹#›</a:t>
             </a:fld>
@@ -1772,7 +1772,7 @@
     </p:spTree>
     <p:extLst>
       <p:ext uri="{BB962C8B-B14F-4D97-AF65-F5344CB8AC3E}">
-        <p14:creationId xmlns:p14="http://schemas.microsoft.com/office/powerpoint/2010/main" val="2666297982"/>
+        <p14:creationId xmlns:p14="http://schemas.microsoft.com/office/powerpoint/2010/main" val="1720597702"/>
       </p:ext>
     </p:extLst>
   </p:cSld>
@@ -1814,7 +1814,7 @@
           <a:bodyPr/>
           <a:lstStyle/>
           <a:p>
-            <a:fld id="{34FF218C-DFA8-49B0-995D-1C458894FDBD}" type="datetimeFigureOut">
+            <a:fld id="{77C727DD-8D31-45EA-8A01-20304BB80289}" type="datetimeFigureOut">
               <a:rPr lang="tr-TR" smtClean="0"/>
               <a:t>16.07.2015</a:t>
             </a:fld>
@@ -1856,7 +1856,7 @@
           <a:bodyPr/>
           <a:lstStyle/>
           <a:p>
-            <a:fld id="{BD667682-A9B3-481E-897A-A03239AD6F82}" type="slidenum">
+            <a:fld id="{E886FF09-A17A-4812-8244-E7D7184204C3}" type="slidenum">
               <a:rPr lang="tr-TR" smtClean="0"/>
               <a:t>‹#›</a:t>
             </a:fld>
@@ -1867,7 +1867,7 @@
     </p:spTree>
     <p:extLst>
       <p:ext uri="{BB962C8B-B14F-4D97-AF65-F5344CB8AC3E}">
-        <p14:creationId xmlns:p14="http://schemas.microsoft.com/office/powerpoint/2010/main" val="3334579306"/>
+        <p14:creationId xmlns:p14="http://schemas.microsoft.com/office/powerpoint/2010/main" val="2213081437"/>
       </p:ext>
     </p:extLst>
   </p:cSld>
@@ -1906,15 +1906,15 @@
         </p:nvSpPr>
         <p:spPr>
           <a:xfrm>
-            <a:off x="2501214" y="1201208"/>
-            <a:ext cx="11711717" cy="4204229"/>
+            <a:off x="839788" y="457200"/>
+            <a:ext cx="3932237" cy="1600200"/>
           </a:xfrm>
         </p:spPr>
         <p:txBody>
           <a:bodyPr anchor="b"/>
           <a:lstStyle>
             <a:lvl1pPr>
-              <a:defRPr sz="8407"/>
+              <a:defRPr sz="3200"/>
             </a:lvl1pPr>
           </a:lstStyle>
           <a:p>
@@ -1922,7 +1922,7 @@
               <a:rPr lang="en-US" smtClean="0"/>
               <a:t>Click to edit Master title style</a:t>
             </a:r>
-            <a:endParaRPr lang="en-US" dirty="0"/>
+            <a:endParaRPr lang="tr-TR"/>
           </a:p>
         </p:txBody>
       </p:sp>
@@ -1938,39 +1938,39 @@
         </p:nvSpPr>
         <p:spPr>
           <a:xfrm>
-            <a:off x="15437532" y="2594278"/>
-            <a:ext cx="18383190" cy="12804547"/>
+            <a:off x="5183188" y="987425"/>
+            <a:ext cx="6172200" cy="4873625"/>
           </a:xfrm>
         </p:spPr>
         <p:txBody>
           <a:bodyPr/>
           <a:lstStyle>
             <a:lvl1pPr>
-              <a:defRPr sz="8407"/>
+              <a:defRPr sz="3200"/>
             </a:lvl1pPr>
             <a:lvl2pPr>
-              <a:defRPr sz="7356"/>
+              <a:defRPr sz="2800"/>
             </a:lvl2pPr>
             <a:lvl3pPr>
-              <a:defRPr sz="6306"/>
+              <a:defRPr sz="2400"/>
             </a:lvl3pPr>
             <a:lvl4pPr>
-              <a:defRPr sz="5255"/>
+              <a:defRPr sz="2000"/>
             </a:lvl4pPr>
             <a:lvl5pPr>
-              <a:defRPr sz="5255"/>
+              <a:defRPr sz="2000"/>
             </a:lvl5pPr>
             <a:lvl6pPr>
-              <a:defRPr sz="5255"/>
+              <a:defRPr sz="2000"/>
             </a:lvl6pPr>
             <a:lvl7pPr>
-              <a:defRPr sz="5255"/>
+              <a:defRPr sz="2000"/>
             </a:lvl7pPr>
             <a:lvl8pPr>
-              <a:defRPr sz="5255"/>
+              <a:defRPr sz="2000"/>
             </a:lvl8pPr>
             <a:lvl9pPr>
-              <a:defRPr sz="5255"/>
+              <a:defRPr sz="2000"/>
             </a:lvl9pPr>
           </a:lstStyle>
           <a:p>
@@ -2007,7 +2007,7 @@
               <a:rPr lang="en-US" smtClean="0"/>
               <a:t>Fifth level</a:t>
             </a:r>
-            <a:endParaRPr lang="en-US" dirty="0"/>
+            <a:endParaRPr lang="tr-TR"/>
           </a:p>
         </p:txBody>
       </p:sp>
@@ -2023,8 +2023,8 @@
         </p:nvSpPr>
         <p:spPr>
           <a:xfrm>
-            <a:off x="2501214" y="5405437"/>
-            <a:ext cx="11711717" cy="10014242"/>
+            <a:off x="839788" y="2057400"/>
+            <a:ext cx="3932237" cy="3811588"/>
           </a:xfrm>
         </p:spPr>
         <p:txBody>
@@ -2032,39 +2032,39 @@
           <a:lstStyle>
             <a:lvl1pPr marL="0" indent="0">
               <a:buNone/>
-              <a:defRPr sz="4204"/>
+              <a:defRPr sz="1600"/>
             </a:lvl1pPr>
-            <a:lvl2pPr marL="1201202" indent="0">
-              <a:buNone/>
-              <a:defRPr sz="3678"/>
+            <a:lvl2pPr marL="457200" indent="0">
+              <a:buNone/>
+              <a:defRPr sz="1400"/>
             </a:lvl2pPr>
-            <a:lvl3pPr marL="2402403" indent="0">
-              <a:buNone/>
-              <a:defRPr sz="3153"/>
+            <a:lvl3pPr marL="914400" indent="0">
+              <a:buNone/>
+              <a:defRPr sz="1200"/>
             </a:lvl3pPr>
-            <a:lvl4pPr marL="3603605" indent="0">
-              <a:buNone/>
-              <a:defRPr sz="2627"/>
+            <a:lvl4pPr marL="1371600" indent="0">
+              <a:buNone/>
+              <a:defRPr sz="1000"/>
             </a:lvl4pPr>
-            <a:lvl5pPr marL="4804806" indent="0">
-              <a:buNone/>
-              <a:defRPr sz="2627"/>
+            <a:lvl5pPr marL="1828800" indent="0">
+              <a:buNone/>
+              <a:defRPr sz="1000"/>
             </a:lvl5pPr>
-            <a:lvl6pPr marL="6006008" indent="0">
-              <a:buNone/>
-              <a:defRPr sz="2627"/>
+            <a:lvl6pPr marL="2286000" indent="0">
+              <a:buNone/>
+              <a:defRPr sz="1000"/>
             </a:lvl6pPr>
-            <a:lvl7pPr marL="7207209" indent="0">
-              <a:buNone/>
-              <a:defRPr sz="2627"/>
+            <a:lvl7pPr marL="2743200" indent="0">
+              <a:buNone/>
+              <a:defRPr sz="1000"/>
             </a:lvl7pPr>
-            <a:lvl8pPr marL="8408411" indent="0">
-              <a:buNone/>
-              <a:defRPr sz="2627"/>
+            <a:lvl8pPr marL="3200400" indent="0">
+              <a:buNone/>
+              <a:defRPr sz="1000"/>
             </a:lvl8pPr>
-            <a:lvl9pPr marL="9609612" indent="0">
-              <a:buNone/>
-              <a:defRPr sz="2627"/>
+            <a:lvl9pPr marL="3657600" indent="0">
+              <a:buNone/>
+              <a:defRPr sz="1000"/>
             </a:lvl9pPr>
           </a:lstStyle>
           <a:p>
@@ -2091,7 +2091,7 @@
           <a:bodyPr/>
           <a:lstStyle/>
           <a:p>
-            <a:fld id="{34FF218C-DFA8-49B0-995D-1C458894FDBD}" type="datetimeFigureOut">
+            <a:fld id="{77C727DD-8D31-45EA-8A01-20304BB80289}" type="datetimeFigureOut">
               <a:rPr lang="tr-TR" smtClean="0"/>
               <a:t>16.07.2015</a:t>
             </a:fld>
@@ -2133,7 +2133,7 @@
           <a:bodyPr/>
           <a:lstStyle/>
           <a:p>
-            <a:fld id="{BD667682-A9B3-481E-897A-A03239AD6F82}" type="slidenum">
+            <a:fld id="{E886FF09-A17A-4812-8244-E7D7184204C3}" type="slidenum">
               <a:rPr lang="tr-TR" smtClean="0"/>
               <a:t>‹#›</a:t>
             </a:fld>
@@ -2144,7 +2144,7 @@
     </p:spTree>
     <p:extLst>
       <p:ext uri="{BB962C8B-B14F-4D97-AF65-F5344CB8AC3E}">
-        <p14:creationId xmlns:p14="http://schemas.microsoft.com/office/powerpoint/2010/main" val="768523180"/>
+        <p14:creationId xmlns:p14="http://schemas.microsoft.com/office/powerpoint/2010/main" val="3030274695"/>
       </p:ext>
     </p:extLst>
   </p:cSld>
@@ -2183,15 +2183,15 @@
         </p:nvSpPr>
         <p:spPr>
           <a:xfrm>
-            <a:off x="2501214" y="1201208"/>
-            <a:ext cx="11711717" cy="4204229"/>
+            <a:off x="839788" y="457200"/>
+            <a:ext cx="3932237" cy="1600200"/>
           </a:xfrm>
         </p:spPr>
         <p:txBody>
           <a:bodyPr anchor="b"/>
           <a:lstStyle>
             <a:lvl1pPr>
-              <a:defRPr sz="8407"/>
+              <a:defRPr sz="3200"/>
             </a:lvl1pPr>
           </a:lstStyle>
           <a:p>
@@ -2199,7 +2199,7 @@
               <a:rPr lang="en-US" smtClean="0"/>
               <a:t>Click to edit Master title style</a:t>
             </a:r>
-            <a:endParaRPr lang="en-US" dirty="0"/>
+            <a:endParaRPr lang="tr-TR"/>
           </a:p>
         </p:txBody>
       </p:sp>
@@ -2207,7 +2207,7 @@
         <p:nvSpPr>
           <p:cNvPr id="3" name="Picture Placeholder 2"/>
           <p:cNvSpPr>
-            <a:spLocks noGrp="1" noChangeAspect="1"/>
+            <a:spLocks noGrp="1"/>
           </p:cNvSpPr>
           <p:nvPr>
             <p:ph type="pic" idx="1"/>
@@ -2215,73 +2215,8 @@
         </p:nvSpPr>
         <p:spPr>
           <a:xfrm>
-            <a:off x="15437532" y="2594278"/>
-            <a:ext cx="18383190" cy="12804547"/>
-          </a:xfrm>
-        </p:spPr>
-        <p:txBody>
-          <a:bodyPr anchor="t"/>
-          <a:lstStyle>
-            <a:lvl1pPr marL="0" indent="0">
-              <a:buNone/>
-              <a:defRPr sz="8407"/>
-            </a:lvl1pPr>
-            <a:lvl2pPr marL="1201202" indent="0">
-              <a:buNone/>
-              <a:defRPr sz="7356"/>
-            </a:lvl2pPr>
-            <a:lvl3pPr marL="2402403" indent="0">
-              <a:buNone/>
-              <a:defRPr sz="6306"/>
-            </a:lvl3pPr>
-            <a:lvl4pPr marL="3603605" indent="0">
-              <a:buNone/>
-              <a:defRPr sz="5255"/>
-            </a:lvl4pPr>
-            <a:lvl5pPr marL="4804806" indent="0">
-              <a:buNone/>
-              <a:defRPr sz="5255"/>
-            </a:lvl5pPr>
-            <a:lvl6pPr marL="6006008" indent="0">
-              <a:buNone/>
-              <a:defRPr sz="5255"/>
-            </a:lvl6pPr>
-            <a:lvl7pPr marL="7207209" indent="0">
-              <a:buNone/>
-              <a:defRPr sz="5255"/>
-            </a:lvl7pPr>
-            <a:lvl8pPr marL="8408411" indent="0">
-              <a:buNone/>
-              <a:defRPr sz="5255"/>
-            </a:lvl8pPr>
-            <a:lvl9pPr marL="9609612" indent="0">
-              <a:buNone/>
-              <a:defRPr sz="5255"/>
-            </a:lvl9pPr>
-          </a:lstStyle>
-          <a:p>
-            <a:r>
-              <a:rPr lang="en-US" smtClean="0"/>
-              <a:t>Click icon to add picture</a:t>
-            </a:r>
-            <a:endParaRPr lang="en-US" dirty="0"/>
-          </a:p>
-        </p:txBody>
-      </p:sp>
-      <p:sp>
-        <p:nvSpPr>
-          <p:cNvPr id="4" name="Text Placeholder 3"/>
-          <p:cNvSpPr>
-            <a:spLocks noGrp="1"/>
-          </p:cNvSpPr>
-          <p:nvPr>
-            <p:ph type="body" sz="half" idx="2"/>
-          </p:nvPr>
-        </p:nvSpPr>
-        <p:spPr>
-          <a:xfrm>
-            <a:off x="2501214" y="5405437"/>
-            <a:ext cx="11711717" cy="10014242"/>
+            <a:off x="5183188" y="987425"/>
+            <a:ext cx="6172200" cy="4873625"/>
           </a:xfrm>
         </p:spPr>
         <p:txBody>
@@ -2289,42 +2224,103 @@
           <a:lstStyle>
             <a:lvl1pPr marL="0" indent="0">
               <a:buNone/>
-              <a:defRPr sz="4204"/>
+              <a:defRPr sz="3200"/>
             </a:lvl1pPr>
-            <a:lvl2pPr marL="1201202" indent="0">
-              <a:buNone/>
-              <a:defRPr sz="3678"/>
+            <a:lvl2pPr marL="457200" indent="0">
+              <a:buNone/>
+              <a:defRPr sz="2800"/>
             </a:lvl2pPr>
-            <a:lvl3pPr marL="2402403" indent="0">
-              <a:buNone/>
-              <a:defRPr sz="3153"/>
+            <a:lvl3pPr marL="914400" indent="0">
+              <a:buNone/>
+              <a:defRPr sz="2400"/>
             </a:lvl3pPr>
-            <a:lvl4pPr marL="3603605" indent="0">
-              <a:buNone/>
-              <a:defRPr sz="2627"/>
+            <a:lvl4pPr marL="1371600" indent="0">
+              <a:buNone/>
+              <a:defRPr sz="2000"/>
             </a:lvl4pPr>
-            <a:lvl5pPr marL="4804806" indent="0">
-              <a:buNone/>
-              <a:defRPr sz="2627"/>
+            <a:lvl5pPr marL="1828800" indent="0">
+              <a:buNone/>
+              <a:defRPr sz="2000"/>
             </a:lvl5pPr>
-            <a:lvl6pPr marL="6006008" indent="0">
-              <a:buNone/>
-              <a:defRPr sz="2627"/>
+            <a:lvl6pPr marL="2286000" indent="0">
+              <a:buNone/>
+              <a:defRPr sz="2000"/>
             </a:lvl6pPr>
-            <a:lvl7pPr marL="7207209" indent="0">
-              <a:buNone/>
-              <a:defRPr sz="2627"/>
+            <a:lvl7pPr marL="2743200" indent="0">
+              <a:buNone/>
+              <a:defRPr sz="2000"/>
             </a:lvl7pPr>
-            <a:lvl8pPr marL="8408411" indent="0">
-              <a:buNone/>
-              <a:defRPr sz="2627"/>
+            <a:lvl8pPr marL="3200400" indent="0">
+              <a:buNone/>
+              <a:defRPr sz="2000"/>
             </a:lvl8pPr>
-            <a:lvl9pPr marL="9609612" indent="0">
-              <a:buNone/>
-              <a:defRPr sz="2627"/>
+            <a:lvl9pPr marL="3657600" indent="0">
+              <a:buNone/>
+              <a:defRPr sz="2000"/>
             </a:lvl9pPr>
           </a:lstStyle>
           <a:p>
+            <a:endParaRPr lang="tr-TR"/>
+          </a:p>
+        </p:txBody>
+      </p:sp>
+      <p:sp>
+        <p:nvSpPr>
+          <p:cNvPr id="4" name="Text Placeholder 3"/>
+          <p:cNvSpPr>
+            <a:spLocks noGrp="1"/>
+          </p:cNvSpPr>
+          <p:nvPr>
+            <p:ph type="body" sz="half" idx="2"/>
+          </p:nvPr>
+        </p:nvSpPr>
+        <p:spPr>
+          <a:xfrm>
+            <a:off x="839788" y="2057400"/>
+            <a:ext cx="3932237" cy="3811588"/>
+          </a:xfrm>
+        </p:spPr>
+        <p:txBody>
+          <a:bodyPr/>
+          <a:lstStyle>
+            <a:lvl1pPr marL="0" indent="0">
+              <a:buNone/>
+              <a:defRPr sz="1600"/>
+            </a:lvl1pPr>
+            <a:lvl2pPr marL="457200" indent="0">
+              <a:buNone/>
+              <a:defRPr sz="1400"/>
+            </a:lvl2pPr>
+            <a:lvl3pPr marL="914400" indent="0">
+              <a:buNone/>
+              <a:defRPr sz="1200"/>
+            </a:lvl3pPr>
+            <a:lvl4pPr marL="1371600" indent="0">
+              <a:buNone/>
+              <a:defRPr sz="1000"/>
+            </a:lvl4pPr>
+            <a:lvl5pPr marL="1828800" indent="0">
+              <a:buNone/>
+              <a:defRPr sz="1000"/>
+            </a:lvl5pPr>
+            <a:lvl6pPr marL="2286000" indent="0">
+              <a:buNone/>
+              <a:defRPr sz="1000"/>
+            </a:lvl6pPr>
+            <a:lvl7pPr marL="2743200" indent="0">
+              <a:buNone/>
+              <a:defRPr sz="1000"/>
+            </a:lvl7pPr>
+            <a:lvl8pPr marL="3200400" indent="0">
+              <a:buNone/>
+              <a:defRPr sz="1000"/>
+            </a:lvl8pPr>
+            <a:lvl9pPr marL="3657600" indent="0">
+              <a:buNone/>
+              <a:defRPr sz="1000"/>
+            </a:lvl9pPr>
+          </a:lstStyle>
+          <a:p>
             <a:pPr lvl="0"/>
             <a:r>
               <a:rPr lang="en-US" smtClean="0"/>
@@ -2348,7 +2344,7 @@
           <a:bodyPr/>
           <a:lstStyle/>
           <a:p>
-            <a:fld id="{34FF218C-DFA8-49B0-995D-1C458894FDBD}" type="datetimeFigureOut">
+            <a:fld id="{77C727DD-8D31-45EA-8A01-20304BB80289}" type="datetimeFigureOut">
               <a:rPr lang="tr-TR" smtClean="0"/>
               <a:t>16.07.2015</a:t>
             </a:fld>
@@ -2390,7 +2386,7 @@
           <a:bodyPr/>
           <a:lstStyle/>
           <a:p>
-            <a:fld id="{BD667682-A9B3-481E-897A-A03239AD6F82}" type="slidenum">
+            <a:fld id="{E886FF09-A17A-4812-8244-E7D7184204C3}" type="slidenum">
               <a:rPr lang="tr-TR" smtClean="0"/>
               <a:t>‹#›</a:t>
             </a:fld>
@@ -2401,7 +2397,7 @@
     </p:spTree>
     <p:extLst>
       <p:ext uri="{BB962C8B-B14F-4D97-AF65-F5344CB8AC3E}">
-        <p14:creationId xmlns:p14="http://schemas.microsoft.com/office/powerpoint/2010/main" val="3882950346"/>
+        <p14:creationId xmlns:p14="http://schemas.microsoft.com/office/powerpoint/2010/main" val="3928490294"/>
       </p:ext>
     </p:extLst>
   </p:cSld>
@@ -2445,8 +2441,8 @@
         </p:nvSpPr>
         <p:spPr>
           <a:xfrm>
-            <a:off x="2496483" y="959300"/>
-            <a:ext cx="31319510" cy="3482671"/>
+            <a:off x="838200" y="365125"/>
+            <a:ext cx="10515600" cy="1325563"/>
           </a:xfrm>
           <a:prstGeom prst="rect">
             <a:avLst/>
@@ -2462,7 +2458,7 @@
               <a:rPr lang="en-US" smtClean="0"/>
               <a:t>Click to edit Master title style</a:t>
             </a:r>
-            <a:endParaRPr lang="en-US" dirty="0"/>
+            <a:endParaRPr lang="tr-TR"/>
           </a:p>
         </p:txBody>
       </p:sp>
@@ -2478,8 +2474,8 @@
         </p:nvSpPr>
         <p:spPr>
           <a:xfrm>
-            <a:off x="2496483" y="4796492"/>
-            <a:ext cx="31319510" cy="11432335"/>
+            <a:off x="838200" y="1825625"/>
+            <a:ext cx="10515600" cy="4351338"/>
           </a:xfrm>
           <a:prstGeom prst="rect">
             <a:avLst/>
@@ -2524,7 +2520,7 @@
               <a:rPr lang="en-US" smtClean="0"/>
               <a:t>Fifth level</a:t>
             </a:r>
-            <a:endParaRPr lang="en-US" dirty="0"/>
+            <a:endParaRPr lang="tr-TR"/>
           </a:p>
         </p:txBody>
       </p:sp>
@@ -2540,8 +2536,8 @@
         </p:nvSpPr>
         <p:spPr>
           <a:xfrm>
-            <a:off x="2496483" y="16700134"/>
-            <a:ext cx="8170307" cy="959298"/>
+            <a:off x="838200" y="6356350"/>
+            <a:ext cx="2743200" cy="365125"/>
           </a:xfrm>
           <a:prstGeom prst="rect">
             <a:avLst/>
@@ -2551,7 +2547,7 @@
           <a:bodyPr vert="horz" lIns="91440" tIns="45720" rIns="91440" bIns="45720" rtlCol="0" anchor="ctr"/>
           <a:lstStyle>
             <a:lvl1pPr algn="l">
-              <a:defRPr sz="3153">
+              <a:defRPr sz="1200">
                 <a:solidFill>
                   <a:schemeClr val="tx1">
                     <a:tint val="75000"/>
@@ -2561,7 +2557,7 @@
             </a:lvl1pPr>
           </a:lstStyle>
           <a:p>
-            <a:fld id="{34FF218C-DFA8-49B0-995D-1C458894FDBD}" type="datetimeFigureOut">
+            <a:fld id="{77C727DD-8D31-45EA-8A01-20304BB80289}" type="datetimeFigureOut">
               <a:rPr lang="tr-TR" smtClean="0"/>
               <a:t>16.07.2015</a:t>
             </a:fld>
@@ -2581,8 +2577,8 @@
         </p:nvSpPr>
         <p:spPr>
           <a:xfrm>
-            <a:off x="12028508" y="16700134"/>
-            <a:ext cx="12255460" cy="959298"/>
+            <a:off x="4038600" y="6356350"/>
+            <a:ext cx="4114800" cy="365125"/>
           </a:xfrm>
           <a:prstGeom prst="rect">
             <a:avLst/>
@@ -2592,7 +2588,7 @@
           <a:bodyPr vert="horz" lIns="91440" tIns="45720" rIns="91440" bIns="45720" rtlCol="0" anchor="ctr"/>
           <a:lstStyle>
             <a:lvl1pPr algn="ctr">
-              <a:defRPr sz="3153">
+              <a:defRPr sz="1200">
                 <a:solidFill>
                   <a:schemeClr val="tx1">
                     <a:tint val="75000"/>
@@ -2618,8 +2614,8 @@
         </p:nvSpPr>
         <p:spPr>
           <a:xfrm>
-            <a:off x="25645685" y="16700134"/>
-            <a:ext cx="8170307" cy="959298"/>
+            <a:off x="8610600" y="6356350"/>
+            <a:ext cx="2743200" cy="365125"/>
           </a:xfrm>
           <a:prstGeom prst="rect">
             <a:avLst/>
@@ -2629,7 +2625,7 @@
           <a:bodyPr vert="horz" lIns="91440" tIns="45720" rIns="91440" bIns="45720" rtlCol="0" anchor="ctr"/>
           <a:lstStyle>
             <a:lvl1pPr algn="r">
-              <a:defRPr sz="3153">
+              <a:defRPr sz="1200">
                 <a:solidFill>
                   <a:schemeClr val="tx1">
                     <a:tint val="75000"/>
@@ -2639,7 +2635,7 @@
             </a:lvl1pPr>
           </a:lstStyle>
           <a:p>
-            <a:fld id="{BD667682-A9B3-481E-897A-A03239AD6F82}" type="slidenum">
+            <a:fld id="{E886FF09-A17A-4812-8244-E7D7184204C3}" type="slidenum">
               <a:rPr lang="tr-TR" smtClean="0"/>
               <a:t>‹#›</a:t>
             </a:fld>
@@ -2650,27 +2646,27 @@
     </p:spTree>
     <p:extLst>
       <p:ext uri="{BB962C8B-B14F-4D97-AF65-F5344CB8AC3E}">
-        <p14:creationId xmlns:p14="http://schemas.microsoft.com/office/powerpoint/2010/main" val="263172265"/>
+        <p14:creationId xmlns:p14="http://schemas.microsoft.com/office/powerpoint/2010/main" val="1774994884"/>
       </p:ext>
     </p:extLst>
   </p:cSld>
   <p:clrMap bg1="lt1" tx1="dk1" bg2="lt2" tx2="dk2" accent1="accent1" accent2="accent2" accent3="accent3" accent4="accent4" accent5="accent5" accent6="accent6" hlink="hlink" folHlink="folHlink"/>
   <p:sldLayoutIdLst>
-    <p:sldLayoutId id="2147483673" r:id="rId1"/>
-    <p:sldLayoutId id="2147483674" r:id="rId2"/>
-    <p:sldLayoutId id="2147483675" r:id="rId3"/>
-    <p:sldLayoutId id="2147483676" r:id="rId4"/>
-    <p:sldLayoutId id="2147483677" r:id="rId5"/>
-    <p:sldLayoutId id="2147483678" r:id="rId6"/>
-    <p:sldLayoutId id="2147483679" r:id="rId7"/>
-    <p:sldLayoutId id="2147483680" r:id="rId8"/>
-    <p:sldLayoutId id="2147483681" r:id="rId9"/>
-    <p:sldLayoutId id="2147483682" r:id="rId10"/>
-    <p:sldLayoutId id="2147483683" r:id="rId11"/>
+    <p:sldLayoutId id="2147483649" r:id="rId1"/>
+    <p:sldLayoutId id="2147483650" r:id="rId2"/>
+    <p:sldLayoutId id="2147483651" r:id="rId3"/>
+    <p:sldLayoutId id="2147483652" r:id="rId4"/>
+    <p:sldLayoutId id="2147483653" r:id="rId5"/>
+    <p:sldLayoutId id="2147483654" r:id="rId6"/>
+    <p:sldLayoutId id="2147483655" r:id="rId7"/>
+    <p:sldLayoutId id="2147483656" r:id="rId8"/>
+    <p:sldLayoutId id="2147483657" r:id="rId9"/>
+    <p:sldLayoutId id="2147483658" r:id="rId10"/>
+    <p:sldLayoutId id="2147483659" r:id="rId11"/>
   </p:sldLayoutIdLst>
   <p:txStyles>
     <p:titleStyle>
-      <a:lvl1pPr algn="l" defTabSz="2402403" rtl="0" eaLnBrk="1" latinLnBrk="0" hangingPunct="1">
+      <a:lvl1pPr algn="l" defTabSz="914400" rtl="0" eaLnBrk="1" latinLnBrk="0" hangingPunct="1">
         <a:lnSpc>
           <a:spcPct val="90000"/>
         </a:lnSpc>
@@ -2678,7 +2674,7 @@
           <a:spcPct val="0"/>
         </a:spcBef>
         <a:buNone/>
-        <a:defRPr sz="11560" kern="1200">
+        <a:defRPr sz="4400" kern="1200">
           <a:solidFill>
             <a:schemeClr val="tx1"/>
           </a:solidFill>
@@ -2689,16 +2685,16 @@
       </a:lvl1pPr>
     </p:titleStyle>
     <p:bodyStyle>
-      <a:lvl1pPr marL="600601" indent="-600601" algn="l" defTabSz="2402403" rtl="0" eaLnBrk="1" latinLnBrk="0" hangingPunct="1">
+      <a:lvl1pPr marL="228600" indent="-228600" algn="l" defTabSz="914400" rtl="0" eaLnBrk="1" latinLnBrk="0" hangingPunct="1">
         <a:lnSpc>
           <a:spcPct val="90000"/>
         </a:lnSpc>
         <a:spcBef>
-          <a:spcPts val="2627"/>
+          <a:spcPts val="1000"/>
         </a:spcBef>
         <a:buFont typeface="Arial" panose="020B0604020202020204" pitchFamily="34" charset="0"/>
         <a:buChar char="•"/>
-        <a:defRPr sz="7356" kern="1200">
+        <a:defRPr sz="2800" kern="1200">
           <a:solidFill>
             <a:schemeClr val="tx1"/>
           </a:solidFill>
@@ -2707,16 +2703,16 @@
           <a:cs typeface="+mn-cs"/>
         </a:defRPr>
       </a:lvl1pPr>
-      <a:lvl2pPr marL="1801802" indent="-600601" algn="l" defTabSz="2402403" rtl="0" eaLnBrk="1" latinLnBrk="0" hangingPunct="1">
+      <a:lvl2pPr marL="685800" indent="-228600" algn="l" defTabSz="914400" rtl="0" eaLnBrk="1" latinLnBrk="0" hangingPunct="1">
         <a:lnSpc>
           <a:spcPct val="90000"/>
         </a:lnSpc>
         <a:spcBef>
-          <a:spcPts val="1314"/>
+          <a:spcPts val="500"/>
         </a:spcBef>
         <a:buFont typeface="Arial" panose="020B0604020202020204" pitchFamily="34" charset="0"/>
         <a:buChar char="•"/>
-        <a:defRPr sz="6306" kern="1200">
+        <a:defRPr sz="2400" kern="1200">
           <a:solidFill>
             <a:schemeClr val="tx1"/>
           </a:solidFill>
@@ -2725,16 +2721,16 @@
           <a:cs typeface="+mn-cs"/>
         </a:defRPr>
       </a:lvl2pPr>
-      <a:lvl3pPr marL="3003004" indent="-600601" algn="l" defTabSz="2402403" rtl="0" eaLnBrk="1" latinLnBrk="0" hangingPunct="1">
+      <a:lvl3pPr marL="1143000" indent="-228600" algn="l" defTabSz="914400" rtl="0" eaLnBrk="1" latinLnBrk="0" hangingPunct="1">
         <a:lnSpc>
           <a:spcPct val="90000"/>
         </a:lnSpc>
         <a:spcBef>
-          <a:spcPts val="1314"/>
+          <a:spcPts val="500"/>
         </a:spcBef>
         <a:buFont typeface="Arial" panose="020B0604020202020204" pitchFamily="34" charset="0"/>
         <a:buChar char="•"/>
-        <a:defRPr sz="5255" kern="1200">
+        <a:defRPr sz="2000" kern="1200">
           <a:solidFill>
             <a:schemeClr val="tx1"/>
           </a:solidFill>
@@ -2743,16 +2739,16 @@
           <a:cs typeface="+mn-cs"/>
         </a:defRPr>
       </a:lvl3pPr>
-      <a:lvl4pPr marL="4204205" indent="-600601" algn="l" defTabSz="2402403" rtl="0" eaLnBrk="1" latinLnBrk="0" hangingPunct="1">
+      <a:lvl4pPr marL="1600200" indent="-228600" algn="l" defTabSz="914400" rtl="0" eaLnBrk="1" latinLnBrk="0" hangingPunct="1">
         <a:lnSpc>
           <a:spcPct val="90000"/>
         </a:lnSpc>
         <a:spcBef>
-          <a:spcPts val="1314"/>
+          <a:spcPts val="500"/>
         </a:spcBef>
         <a:buFont typeface="Arial" panose="020B0604020202020204" pitchFamily="34" charset="0"/>
         <a:buChar char="•"/>
-        <a:defRPr sz="4729" kern="1200">
+        <a:defRPr sz="1800" kern="1200">
           <a:solidFill>
             <a:schemeClr val="tx1"/>
           </a:solidFill>
@@ -2761,16 +2757,16 @@
           <a:cs typeface="+mn-cs"/>
         </a:defRPr>
       </a:lvl4pPr>
-      <a:lvl5pPr marL="5405407" indent="-600601" algn="l" defTabSz="2402403" rtl="0" eaLnBrk="1" latinLnBrk="0" hangingPunct="1">
+      <a:lvl5pPr marL="2057400" indent="-228600" algn="l" defTabSz="914400" rtl="0" eaLnBrk="1" latinLnBrk="0" hangingPunct="1">
         <a:lnSpc>
           <a:spcPct val="90000"/>
         </a:lnSpc>
         <a:spcBef>
-          <a:spcPts val="1314"/>
+          <a:spcPts val="500"/>
         </a:spcBef>
         <a:buFont typeface="Arial" panose="020B0604020202020204" pitchFamily="34" charset="0"/>
         <a:buChar char="•"/>
-        <a:defRPr sz="4729" kern="1200">
+        <a:defRPr sz="1800" kern="1200">
           <a:solidFill>
             <a:schemeClr val="tx1"/>
           </a:solidFill>
@@ -2779,16 +2775,16 @@
           <a:cs typeface="+mn-cs"/>
         </a:defRPr>
       </a:lvl5pPr>
-      <a:lvl6pPr marL="6606609" indent="-600601" algn="l" defTabSz="2402403" rtl="0" eaLnBrk="1" latinLnBrk="0" hangingPunct="1">
+      <a:lvl6pPr marL="2514600" indent="-228600" algn="l" defTabSz="914400" rtl="0" eaLnBrk="1" latinLnBrk="0" hangingPunct="1">
         <a:lnSpc>
           <a:spcPct val="90000"/>
         </a:lnSpc>
         <a:spcBef>
-          <a:spcPts val="1314"/>
+          <a:spcPts val="500"/>
         </a:spcBef>
         <a:buFont typeface="Arial" panose="020B0604020202020204" pitchFamily="34" charset="0"/>
         <a:buChar char="•"/>
-        <a:defRPr sz="4729" kern="1200">
+        <a:defRPr sz="1800" kern="1200">
           <a:solidFill>
             <a:schemeClr val="tx1"/>
           </a:solidFill>
@@ -2797,16 +2793,16 @@
           <a:cs typeface="+mn-cs"/>
         </a:defRPr>
       </a:lvl6pPr>
-      <a:lvl7pPr marL="7807810" indent="-600601" algn="l" defTabSz="2402403" rtl="0" eaLnBrk="1" latinLnBrk="0" hangingPunct="1">
+      <a:lvl7pPr marL="2971800" indent="-228600" algn="l" defTabSz="914400" rtl="0" eaLnBrk="1" latinLnBrk="0" hangingPunct="1">
         <a:lnSpc>
           <a:spcPct val="90000"/>
         </a:lnSpc>
         <a:spcBef>
-          <a:spcPts val="1314"/>
+          <a:spcPts val="500"/>
         </a:spcBef>
         <a:buFont typeface="Arial" panose="020B0604020202020204" pitchFamily="34" charset="0"/>
         <a:buChar char="•"/>
-        <a:defRPr sz="4729" kern="1200">
+        <a:defRPr sz="1800" kern="1200">
           <a:solidFill>
             <a:schemeClr val="tx1"/>
           </a:solidFill>
@@ -2815,16 +2811,16 @@
           <a:cs typeface="+mn-cs"/>
         </a:defRPr>
       </a:lvl7pPr>
-      <a:lvl8pPr marL="9009012" indent="-600601" algn="l" defTabSz="2402403" rtl="0" eaLnBrk="1" latinLnBrk="0" hangingPunct="1">
+      <a:lvl8pPr marL="3429000" indent="-228600" algn="l" defTabSz="914400" rtl="0" eaLnBrk="1" latinLnBrk="0" hangingPunct="1">
         <a:lnSpc>
           <a:spcPct val="90000"/>
         </a:lnSpc>
         <a:spcBef>
-          <a:spcPts val="1314"/>
+          <a:spcPts val="500"/>
         </a:spcBef>
         <a:buFont typeface="Arial" panose="020B0604020202020204" pitchFamily="34" charset="0"/>
         <a:buChar char="•"/>
-        <a:defRPr sz="4729" kern="1200">
+        <a:defRPr sz="1800" kern="1200">
           <a:solidFill>
             <a:schemeClr val="tx1"/>
           </a:solidFill>
@@ -2833,16 +2829,16 @@
           <a:cs typeface="+mn-cs"/>
         </a:defRPr>
       </a:lvl8pPr>
-      <a:lvl9pPr marL="10210213" indent="-600601" algn="l" defTabSz="2402403" rtl="0" eaLnBrk="1" latinLnBrk="0" hangingPunct="1">
+      <a:lvl9pPr marL="3886200" indent="-228600" algn="l" defTabSz="914400" rtl="0" eaLnBrk="1" latinLnBrk="0" hangingPunct="1">
         <a:lnSpc>
           <a:spcPct val="90000"/>
         </a:lnSpc>
         <a:spcBef>
-          <a:spcPts val="1314"/>
+          <a:spcPts val="500"/>
         </a:spcBef>
         <a:buFont typeface="Arial" panose="020B0604020202020204" pitchFamily="34" charset="0"/>
         <a:buChar char="•"/>
-        <a:defRPr sz="4729" kern="1200">
+        <a:defRPr sz="1800" kern="1200">
           <a:solidFill>
             <a:schemeClr val="tx1"/>
           </a:solidFill>
@@ -2854,10 +2850,10 @@
     </p:bodyStyle>
     <p:otherStyle>
       <a:defPPr>
-        <a:defRPr lang="en-US"/>
+        <a:defRPr lang="tr-TR"/>
       </a:defPPr>
-      <a:lvl1pPr marL="0" algn="l" defTabSz="2402403" rtl="0" eaLnBrk="1" latinLnBrk="0" hangingPunct="1">
-        <a:defRPr sz="4729" kern="1200">
+      <a:lvl1pPr marL="0" algn="l" defTabSz="914400" rtl="0" eaLnBrk="1" latinLnBrk="0" hangingPunct="1">
+        <a:defRPr sz="1800" kern="1200">
           <a:solidFill>
             <a:schemeClr val="tx1"/>
           </a:solidFill>
@@ -2866,8 +2862,8 @@
           <a:cs typeface="+mn-cs"/>
         </a:defRPr>
       </a:lvl1pPr>
-      <a:lvl2pPr marL="1201202" algn="l" defTabSz="2402403" rtl="0" eaLnBrk="1" latinLnBrk="0" hangingPunct="1">
-        <a:defRPr sz="4729" kern="1200">
+      <a:lvl2pPr marL="457200" algn="l" defTabSz="914400" rtl="0" eaLnBrk="1" latinLnBrk="0" hangingPunct="1">
+        <a:defRPr sz="1800" kern="1200">
           <a:solidFill>
             <a:schemeClr val="tx1"/>
           </a:solidFill>
@@ -2876,8 +2872,8 @@
           <a:cs typeface="+mn-cs"/>
         </a:defRPr>
       </a:lvl2pPr>
-      <a:lvl3pPr marL="2402403" algn="l" defTabSz="2402403" rtl="0" eaLnBrk="1" latinLnBrk="0" hangingPunct="1">
-        <a:defRPr sz="4729" kern="1200">
+      <a:lvl3pPr marL="914400" algn="l" defTabSz="914400" rtl="0" eaLnBrk="1" latinLnBrk="0" hangingPunct="1">
+        <a:defRPr sz="1800" kern="1200">
           <a:solidFill>
             <a:schemeClr val="tx1"/>
           </a:solidFill>
@@ -2886,8 +2882,8 @@
           <a:cs typeface="+mn-cs"/>
         </a:defRPr>
       </a:lvl3pPr>
-      <a:lvl4pPr marL="3603605" algn="l" defTabSz="2402403" rtl="0" eaLnBrk="1" latinLnBrk="0" hangingPunct="1">
-        <a:defRPr sz="4729" kern="1200">
+      <a:lvl4pPr marL="1371600" algn="l" defTabSz="914400" rtl="0" eaLnBrk="1" latinLnBrk="0" hangingPunct="1">
+        <a:defRPr sz="1800" kern="1200">
           <a:solidFill>
             <a:schemeClr val="tx1"/>
           </a:solidFill>
@@ -2896,8 +2892,8 @@
           <a:cs typeface="+mn-cs"/>
         </a:defRPr>
       </a:lvl4pPr>
-      <a:lvl5pPr marL="4804806" algn="l" defTabSz="2402403" rtl="0" eaLnBrk="1" latinLnBrk="0" hangingPunct="1">
-        <a:defRPr sz="4729" kern="1200">
+      <a:lvl5pPr marL="1828800" algn="l" defTabSz="914400" rtl="0" eaLnBrk="1" latinLnBrk="0" hangingPunct="1">
+        <a:defRPr sz="1800" kern="1200">
           <a:solidFill>
             <a:schemeClr val="tx1"/>
           </a:solidFill>
@@ -2906,8 +2902,8 @@
           <a:cs typeface="+mn-cs"/>
         </a:defRPr>
       </a:lvl5pPr>
-      <a:lvl6pPr marL="6006008" algn="l" defTabSz="2402403" rtl="0" eaLnBrk="1" latinLnBrk="0" hangingPunct="1">
-        <a:defRPr sz="4729" kern="1200">
+      <a:lvl6pPr marL="2286000" algn="l" defTabSz="914400" rtl="0" eaLnBrk="1" latinLnBrk="0" hangingPunct="1">
+        <a:defRPr sz="1800" kern="1200">
           <a:solidFill>
             <a:schemeClr val="tx1"/>
           </a:solidFill>
@@ -2916,8 +2912,8 @@
           <a:cs typeface="+mn-cs"/>
         </a:defRPr>
       </a:lvl6pPr>
-      <a:lvl7pPr marL="7207209" algn="l" defTabSz="2402403" rtl="0" eaLnBrk="1" latinLnBrk="0" hangingPunct="1">
-        <a:defRPr sz="4729" kern="1200">
+      <a:lvl7pPr marL="2743200" algn="l" defTabSz="914400" rtl="0" eaLnBrk="1" latinLnBrk="0" hangingPunct="1">
+        <a:defRPr sz="1800" kern="1200">
           <a:solidFill>
             <a:schemeClr val="tx1"/>
           </a:solidFill>
@@ -2926,8 +2922,8 @@
           <a:cs typeface="+mn-cs"/>
         </a:defRPr>
       </a:lvl7pPr>
-      <a:lvl8pPr marL="8408411" algn="l" defTabSz="2402403" rtl="0" eaLnBrk="1" latinLnBrk="0" hangingPunct="1">
-        <a:defRPr sz="4729" kern="1200">
+      <a:lvl8pPr marL="3200400" algn="l" defTabSz="914400" rtl="0" eaLnBrk="1" latinLnBrk="0" hangingPunct="1">
+        <a:defRPr sz="1800" kern="1200">
           <a:solidFill>
             <a:schemeClr val="tx1"/>
           </a:solidFill>
@@ -2936,8 +2932,8 @@
           <a:cs typeface="+mn-cs"/>
         </a:defRPr>
       </a:lvl8pPr>
-      <a:lvl9pPr marL="9609612" algn="l" defTabSz="2402403" rtl="0" eaLnBrk="1" latinLnBrk="0" hangingPunct="1">
-        <a:defRPr sz="4729" kern="1200">
+      <a:lvl9pPr marL="3657600" algn="l" defTabSz="914400" rtl="0" eaLnBrk="1" latinLnBrk="0" hangingPunct="1">
+        <a:defRPr sz="1800" kern="1200">
           <a:solidFill>
             <a:schemeClr val="tx1"/>
           </a:solidFill>
@@ -2976,8 +2972,8 @@
         </p:nvSpPr>
         <p:spPr>
           <a:xfrm>
-            <a:off x="11517683" y="6303963"/>
-            <a:ext cx="9455259" cy="1385239"/>
+            <a:off x="1295078" y="1410155"/>
+            <a:ext cx="4687120" cy="686685"/>
           </a:xfrm>
           <a:prstGeom prst="rect">
             <a:avLst/>
@@ -3000,7 +2996,7 @@
           </a:fontRef>
         </p:style>
         <p:txBody>
-          <a:bodyPr rot="0" spcFirstLastPara="0" vertOverflow="overflow" horzOverflow="overflow" vert="horz" wrap="square" lIns="91440" tIns="45720" rIns="91440" bIns="45720" numCol="1" spcCol="0" rtlCol="0" fromWordArt="0" anchor="ctr" anchorCtr="0" forceAA="0" compatLnSpc="1">
+          <a:bodyPr rot="0" spcFirstLastPara="0" vertOverflow="overflow" horzOverflow="overflow" vert="horz" wrap="square" lIns="45328" tIns="22664" rIns="45328" bIns="22664" numCol="1" spcCol="0" rtlCol="0" fromWordArt="0" anchor="ctr" anchorCtr="0" forceAA="0" compatLnSpc="1">
             <a:prstTxWarp prst="textNoShape">
               <a:avLst/>
             </a:prstTxWarp>
@@ -3010,13 +3006,74 @@
           <a:p>
             <a:pPr algn="ctr"/>
             <a:r>
-              <a:rPr lang="tr-TR" sz="2000" b="1">
+              <a:rPr lang="tr-TR" sz="991" b="1" dirty="0">
                 <a:solidFill>
                   <a:schemeClr val="tx1"/>
                 </a:solidFill>
               </a:rPr>
-              <a:t>Cross-Organizational Process Miner</a:t>
-            </a:r>
+              <a:t>Cross-</a:t>
+            </a:r>
+            <a:r>
+              <a:rPr lang="tr-TR" sz="991" b="1" dirty="0" err="1">
+                <a:solidFill>
+                  <a:schemeClr val="tx1"/>
+                </a:solidFill>
+              </a:rPr>
+              <a:t>Organizational</a:t>
+            </a:r>
+            <a:r>
+              <a:rPr lang="tr-TR" sz="991" b="1" dirty="0">
+                <a:solidFill>
+                  <a:schemeClr val="tx1"/>
+                </a:solidFill>
+              </a:rPr>
+              <a:t> </a:t>
+            </a:r>
+            <a:r>
+              <a:rPr lang="tr-TR" sz="991" b="1" dirty="0" err="1">
+                <a:solidFill>
+                  <a:schemeClr val="tx1"/>
+                </a:solidFill>
+              </a:rPr>
+              <a:t>Process</a:t>
+            </a:r>
+            <a:r>
+              <a:rPr lang="tr-TR" sz="991" b="1" dirty="0">
+                <a:solidFill>
+                  <a:schemeClr val="tx1"/>
+                </a:solidFill>
+              </a:rPr>
+              <a:t> </a:t>
+            </a:r>
+            <a:r>
+              <a:rPr lang="tr-TR" sz="991" b="1" dirty="0" err="1">
+                <a:solidFill>
+                  <a:schemeClr val="tx1"/>
+                </a:solidFill>
+              </a:rPr>
+              <a:t>Miner</a:t>
+            </a:r>
+            <a:r>
+              <a:rPr lang="tr-TR" sz="991" b="1" dirty="0">
+                <a:solidFill>
+                  <a:schemeClr val="tx1"/>
+                </a:solidFill>
+              </a:rPr>
+              <a:t> </a:t>
+            </a:r>
+            <a:r>
+              <a:rPr lang="tr-TR" sz="991" b="1" dirty="0" err="1">
+                <a:solidFill>
+                  <a:schemeClr val="tx1"/>
+                </a:solidFill>
+              </a:rPr>
+              <a:t>Plugin</a:t>
+            </a:r>
+            <a:endParaRPr lang="tr-TR" sz="991" b="1" dirty="0">
+              <a:solidFill>
+                <a:schemeClr val="tx1"/>
+              </a:solidFill>
+            </a:endParaRPr>
           </a:p>
         </p:txBody>
       </p:sp>
@@ -3028,8 +3085,8 @@
         </p:nvSpPr>
         <p:spPr>
           <a:xfrm>
-            <a:off x="11530700" y="9429785"/>
-            <a:ext cx="2020201" cy="881449"/>
+            <a:off x="1301531" y="2959673"/>
+            <a:ext cx="1001445" cy="436948"/>
           </a:xfrm>
           <a:prstGeom prst="rect">
             <a:avLst/>
@@ -3052,7 +3109,7 @@
           </a:fontRef>
         </p:style>
         <p:txBody>
-          <a:bodyPr rot="0" spcFirstLastPara="0" vertOverflow="overflow" horzOverflow="overflow" vert="horz" wrap="square" lIns="91440" tIns="45720" rIns="91440" bIns="45720" numCol="1" spcCol="0" rtlCol="0" fromWordArt="0" anchor="ctr" anchorCtr="0" forceAA="0" compatLnSpc="1">
+          <a:bodyPr rot="0" spcFirstLastPara="0" vertOverflow="overflow" horzOverflow="overflow" vert="horz" wrap="square" lIns="45328" tIns="22664" rIns="45328" bIns="22664" numCol="1" spcCol="0" rtlCol="0" fromWordArt="0" anchor="ctr" anchorCtr="0" forceAA="0" compatLnSpc="1">
             <a:prstTxWarp prst="textNoShape">
               <a:avLst/>
             </a:prstTxWarp>
@@ -3062,7 +3119,7 @@
           <a:p>
             <a:pPr algn="ctr"/>
             <a:r>
-              <a:rPr lang="tr-TR" sz="2000" b="1" dirty="0" err="1">
+              <a:rPr lang="tr-TR" sz="991" b="1" dirty="0" err="1">
                 <a:solidFill>
                   <a:schemeClr val="tx1"/>
                 </a:solidFill>
@@ -3070,7 +3127,7 @@
               <a:t>Process</a:t>
             </a:r>
             <a:r>
-              <a:rPr lang="tr-TR" sz="2000" b="1" dirty="0">
+              <a:rPr lang="tr-TR" sz="991" b="1" dirty="0">
                 <a:solidFill>
                   <a:schemeClr val="tx1"/>
                 </a:solidFill>
@@ -3078,7 +3135,7 @@
               <a:t> </a:t>
             </a:r>
             <a:r>
-              <a:rPr lang="tr-TR" sz="2000" b="1" dirty="0" err="1">
+              <a:rPr lang="tr-TR" sz="991" b="1" dirty="0" err="1">
                 <a:solidFill>
                   <a:schemeClr val="tx1"/>
                 </a:solidFill>
@@ -3086,7 +3143,7 @@
               <a:t>Miner</a:t>
             </a:r>
             <a:r>
-              <a:rPr lang="tr-TR" sz="2000" b="1" dirty="0">
+              <a:rPr lang="tr-TR" sz="991" b="1" dirty="0">
                 <a:solidFill>
                   <a:schemeClr val="tx1"/>
                 </a:solidFill>
@@ -3094,14 +3151,14 @@
               <a:t> </a:t>
             </a:r>
             <a:r>
-              <a:rPr lang="tr-TR" sz="2000" b="1" dirty="0" err="1">
+              <a:rPr lang="tr-TR" sz="991" b="1" dirty="0" err="1">
                 <a:solidFill>
                   <a:schemeClr val="tx1"/>
                 </a:solidFill>
               </a:rPr>
               <a:t>Plugin</a:t>
             </a:r>
-            <a:endParaRPr lang="tr-TR" sz="2000" b="1" dirty="0">
+            <a:endParaRPr lang="tr-TR" sz="991" b="1" dirty="0">
               <a:solidFill>
                 <a:schemeClr val="tx1"/>
               </a:solidFill>
@@ -3117,8 +3174,8 @@
         </p:nvSpPr>
         <p:spPr>
           <a:xfrm>
-            <a:off x="14002779" y="9403685"/>
-            <a:ext cx="2147583" cy="881449"/>
+            <a:off x="2526979" y="2946735"/>
+            <a:ext cx="1064591" cy="436948"/>
           </a:xfrm>
           <a:prstGeom prst="rect">
             <a:avLst/>
@@ -3141,7 +3198,7 @@
           </a:fontRef>
         </p:style>
         <p:txBody>
-          <a:bodyPr rot="0" spcFirstLastPara="0" vertOverflow="overflow" horzOverflow="overflow" vert="horz" wrap="square" lIns="91440" tIns="45720" rIns="91440" bIns="45720" numCol="1" spcCol="0" rtlCol="0" fromWordArt="0" anchor="ctr" anchorCtr="0" forceAA="0" compatLnSpc="1">
+          <a:bodyPr rot="0" spcFirstLastPara="0" vertOverflow="overflow" horzOverflow="overflow" vert="horz" wrap="square" lIns="45328" tIns="22664" rIns="45328" bIns="22664" numCol="1" spcCol="0" rtlCol="0" fromWordArt="0" anchor="ctr" anchorCtr="0" forceAA="0" compatLnSpc="1">
             <a:prstTxWarp prst="textNoShape">
               <a:avLst/>
             </a:prstTxWarp>
@@ -3151,7 +3208,7 @@
           <a:p>
             <a:pPr algn="ctr"/>
             <a:r>
-              <a:rPr lang="tr-TR" sz="2000" b="1" dirty="0" err="1">
+              <a:rPr lang="tr-TR" sz="991" b="1" dirty="0" err="1">
                 <a:solidFill>
                   <a:schemeClr val="tx1"/>
                 </a:solidFill>
@@ -3159,7 +3216,7 @@
               <a:t>Automated</a:t>
             </a:r>
             <a:r>
-              <a:rPr lang="tr-TR" sz="2000" b="1" dirty="0">
+              <a:rPr lang="tr-TR" sz="991" b="1" dirty="0">
                 <a:solidFill>
                   <a:schemeClr val="tx1"/>
                 </a:solidFill>
@@ -3167,7 +3224,7 @@
               <a:t> </a:t>
             </a:r>
             <a:r>
-              <a:rPr lang="tr-TR" sz="2000" b="1" dirty="0" err="1">
+              <a:rPr lang="tr-TR" sz="991" b="1" dirty="0" err="1">
                 <a:solidFill>
                   <a:schemeClr val="tx1"/>
                 </a:solidFill>
@@ -3175,7 +3232,7 @@
               <a:t>Replayer</a:t>
             </a:r>
             <a:r>
-              <a:rPr lang="tr-TR" sz="2000" b="1" dirty="0">
+              <a:rPr lang="tr-TR" sz="991" b="1" dirty="0">
                 <a:solidFill>
                   <a:schemeClr val="tx1"/>
                 </a:solidFill>
@@ -3183,14 +3240,14 @@
               <a:t> </a:t>
             </a:r>
             <a:r>
-              <a:rPr lang="tr-TR" sz="2000" b="1" dirty="0" err="1">
+              <a:rPr lang="tr-TR" sz="991" b="1" dirty="0" err="1">
                 <a:solidFill>
                   <a:schemeClr val="tx1"/>
                 </a:solidFill>
               </a:rPr>
               <a:t>Plugin</a:t>
             </a:r>
-            <a:endParaRPr lang="tr-TR" sz="2000" b="1" dirty="0">
+            <a:endParaRPr lang="tr-TR" sz="991" b="1" dirty="0">
               <a:solidFill>
                 <a:schemeClr val="tx1"/>
               </a:solidFill>
@@ -3206,8 +3263,8 @@
         </p:nvSpPr>
         <p:spPr>
           <a:xfrm>
-            <a:off x="16602240" y="9429784"/>
-            <a:ext cx="1952461" cy="881449"/>
+            <a:off x="3815573" y="2959673"/>
+            <a:ext cx="967865" cy="436948"/>
           </a:xfrm>
           <a:prstGeom prst="rect">
             <a:avLst/>
@@ -3230,7 +3287,7 @@
           </a:fontRef>
         </p:style>
         <p:txBody>
-          <a:bodyPr rot="0" spcFirstLastPara="0" vertOverflow="overflow" horzOverflow="overflow" vert="horz" wrap="square" lIns="91440" tIns="45720" rIns="91440" bIns="45720" numCol="1" spcCol="0" rtlCol="0" fromWordArt="0" anchor="ctr" anchorCtr="0" forceAA="0" compatLnSpc="1">
+          <a:bodyPr rot="0" spcFirstLastPara="0" vertOverflow="overflow" horzOverflow="overflow" vert="horz" wrap="square" lIns="45328" tIns="22664" rIns="45328" bIns="22664" numCol="1" spcCol="0" rtlCol="0" fromWordArt="0" anchor="ctr" anchorCtr="0" forceAA="0" compatLnSpc="1">
             <a:prstTxWarp prst="textNoShape">
               <a:avLst/>
             </a:prstTxWarp>
@@ -3240,7 +3297,7 @@
           <a:p>
             <a:pPr algn="ctr"/>
             <a:r>
-              <a:rPr lang="tr-TR" sz="2000" b="1" dirty="0">
+              <a:rPr lang="tr-TR" sz="991" b="1" dirty="0">
                 <a:solidFill>
                   <a:schemeClr val="tx1"/>
                 </a:solidFill>
@@ -3248,14 +3305,14 @@
               <a:t>Cluster Analysis </a:t>
             </a:r>
             <a:r>
-              <a:rPr lang="tr-TR" sz="2000" b="1" dirty="0" err="1">
+              <a:rPr lang="tr-TR" sz="991" b="1" dirty="0" err="1">
                 <a:solidFill>
                   <a:schemeClr val="tx1"/>
                 </a:solidFill>
               </a:rPr>
               <a:t>Plugin</a:t>
             </a:r>
-            <a:endParaRPr lang="tr-TR" sz="2000" b="1" dirty="0">
+            <a:endParaRPr lang="tr-TR" sz="991" b="1" dirty="0">
               <a:solidFill>
                 <a:schemeClr val="tx1"/>
               </a:solidFill>
@@ -3271,8 +3328,8 @@
         </p:nvSpPr>
         <p:spPr>
           <a:xfrm>
-            <a:off x="18949077" y="9415962"/>
-            <a:ext cx="2023865" cy="895271"/>
+            <a:off x="4978936" y="2952821"/>
+            <a:ext cx="1003262" cy="443800"/>
           </a:xfrm>
           <a:prstGeom prst="rect">
             <a:avLst/>
@@ -3295,7 +3352,7 @@
           </a:fontRef>
         </p:style>
         <p:txBody>
-          <a:bodyPr rot="0" spcFirstLastPara="0" vertOverflow="overflow" horzOverflow="overflow" vert="horz" wrap="square" lIns="91440" tIns="45720" rIns="91440" bIns="45720" numCol="1" spcCol="0" rtlCol="0" fromWordArt="0" anchor="ctr" anchorCtr="0" forceAA="0" compatLnSpc="1">
+          <a:bodyPr rot="0" spcFirstLastPara="0" vertOverflow="overflow" horzOverflow="overflow" vert="horz" wrap="square" lIns="45328" tIns="22664" rIns="45328" bIns="22664" numCol="1" spcCol="0" rtlCol="0" fromWordArt="0" anchor="ctr" anchorCtr="0" forceAA="0" compatLnSpc="1">
             <a:prstTxWarp prst="textNoShape">
               <a:avLst/>
             </a:prstTxWarp>
@@ -3305,7 +3362,7 @@
           <a:p>
             <a:pPr algn="ctr"/>
             <a:r>
-              <a:rPr lang="tr-TR" sz="2000" b="1" dirty="0" err="1">
+              <a:rPr lang="tr-TR" sz="991" b="1" dirty="0" err="1">
                 <a:solidFill>
                   <a:schemeClr val="tx1"/>
                 </a:solidFill>
@@ -3313,7 +3370,7 @@
               <a:t>Mismatch</a:t>
             </a:r>
             <a:r>
-              <a:rPr lang="tr-TR" sz="2000" b="1" dirty="0">
+              <a:rPr lang="tr-TR" sz="991" b="1" dirty="0">
                 <a:solidFill>
                   <a:schemeClr val="tx1"/>
                 </a:solidFill>
@@ -3321,14 +3378,14 @@
               <a:t> Analysis </a:t>
             </a:r>
             <a:r>
-              <a:rPr lang="tr-TR" sz="2000" b="1" dirty="0" err="1">
+              <a:rPr lang="tr-TR" sz="991" b="1" dirty="0" err="1">
                 <a:solidFill>
                   <a:schemeClr val="tx1"/>
                 </a:solidFill>
               </a:rPr>
               <a:t>Plugin</a:t>
             </a:r>
-            <a:endParaRPr lang="tr-TR" sz="2000" b="1" dirty="0">
+            <a:endParaRPr lang="tr-TR" sz="991" b="1" dirty="0">
               <a:solidFill>
                 <a:schemeClr val="tx1"/>
               </a:solidFill>
@@ -3338,14 +3395,14 @@
       </p:sp>
       <p:cxnSp>
         <p:nvCxnSpPr>
-          <p:cNvPr id="16" name="Straight Arrow Connector 15"/>
+          <p:cNvPr id="9" name="Straight Arrow Connector 8"/>
           <p:cNvCxnSpPr/>
           <p:nvPr/>
         </p:nvCxnSpPr>
         <p:spPr>
           <a:xfrm flipV="1">
-            <a:off x="13244196" y="7734259"/>
-            <a:ext cx="1" cy="1677094"/>
+            <a:off x="2150937" y="2119174"/>
+            <a:ext cx="0" cy="831362"/>
           </a:xfrm>
           <a:prstGeom prst="straightConnector1">
             <a:avLst/>
@@ -3371,14 +3428,14 @@
       </p:cxnSp>
       <p:cxnSp>
         <p:nvCxnSpPr>
-          <p:cNvPr id="19" name="Straight Arrow Connector 18"/>
+          <p:cNvPr id="10" name="Straight Arrow Connector 9"/>
           <p:cNvCxnSpPr/>
           <p:nvPr/>
         </p:nvCxnSpPr>
         <p:spPr>
           <a:xfrm>
-            <a:off x="11922702" y="7708262"/>
-            <a:ext cx="0" cy="1721523"/>
+            <a:off x="1495852" y="2106287"/>
+            <a:ext cx="0" cy="853386"/>
           </a:xfrm>
           <a:prstGeom prst="straightConnector1">
             <a:avLst/>
@@ -3404,14 +3461,14 @@
       </p:cxnSp>
       <p:sp>
         <p:nvSpPr>
-          <p:cNvPr id="20" name="TextBox 19"/>
+          <p:cNvPr id="11" name="TextBox 10"/>
           <p:cNvSpPr txBox="1"/>
           <p:nvPr/>
         </p:nvSpPr>
         <p:spPr>
           <a:xfrm rot="16200000">
-            <a:off x="11249606" y="8487197"/>
-            <a:ext cx="987065" cy="338554"/>
+            <a:off x="1114132" y="2469154"/>
+            <a:ext cx="585417" cy="214354"/>
           </a:xfrm>
           <a:prstGeom prst="rect">
             <a:avLst/>
@@ -3425,31 +3482,31 @@
           <a:lstStyle/>
           <a:p>
             <a:r>
-              <a:rPr lang="tr-TR" sz="1600" dirty="0" err="1"/>
+              <a:rPr lang="tr-TR" sz="793" dirty="0" err="1"/>
               <a:t>Event</a:t>
             </a:r>
             <a:r>
-              <a:rPr lang="tr-TR" sz="1600" dirty="0"/>
+              <a:rPr lang="tr-TR" sz="793" dirty="0"/>
               <a:t> </a:t>
             </a:r>
             <a:r>
-              <a:rPr lang="tr-TR" sz="1600" dirty="0" err="1"/>
+              <a:rPr lang="tr-TR" sz="793" dirty="0" err="1"/>
               <a:t>Log</a:t>
             </a:r>
-            <a:endParaRPr lang="tr-TR" sz="1600" dirty="0"/>
-          </a:p>
-        </p:txBody>
-      </p:sp>
-      <p:sp>
-        <p:nvSpPr>
-          <p:cNvPr id="29" name="TextBox 28"/>
+            <a:endParaRPr lang="tr-TR" sz="793" dirty="0"/>
+          </a:p>
+        </p:txBody>
+      </p:sp>
+      <p:sp>
+        <p:nvSpPr>
+          <p:cNvPr id="12" name="TextBox 11"/>
           <p:cNvSpPr txBox="1"/>
           <p:nvPr/>
         </p:nvSpPr>
         <p:spPr>
           <a:xfrm rot="16200000">
-            <a:off x="12315915" y="8438817"/>
-            <a:ext cx="1404423" cy="338554"/>
+            <a:off x="1643571" y="2445171"/>
+            <a:ext cx="790601" cy="214354"/>
           </a:xfrm>
           <a:prstGeom prst="rect">
             <a:avLst/>
@@ -3463,11 +3520,11 @@
           <a:lstStyle/>
           <a:p>
             <a:r>
-              <a:rPr lang="tr-TR" sz="1600" dirty="0" err="1"/>
+              <a:rPr lang="tr-TR" sz="793" dirty="0" err="1"/>
               <a:t>Process</a:t>
             </a:r>
             <a:r>
-              <a:rPr lang="tr-TR" sz="1600" dirty="0"/>
+              <a:rPr lang="tr-TR" sz="793" dirty="0"/>
               <a:t> Model</a:t>
             </a:r>
           </a:p>
@@ -3475,14 +3532,14 @@
       </p:sp>
       <p:sp>
         <p:nvSpPr>
-          <p:cNvPr id="32" name="TextBox 31"/>
+          <p:cNvPr id="13" name="TextBox 12"/>
           <p:cNvSpPr txBox="1"/>
           <p:nvPr/>
         </p:nvSpPr>
         <p:spPr>
           <a:xfrm rot="16200000">
-            <a:off x="15153977" y="8280659"/>
-            <a:ext cx="1258293" cy="584775"/>
+            <a:off x="3049490" y="2366787"/>
+            <a:ext cx="720069" cy="336374"/>
           </a:xfrm>
           <a:prstGeom prst="rect">
             <a:avLst/>
@@ -3497,15 +3554,15 @@
           <a:p>
             <a:pPr algn="ctr"/>
             <a:r>
-              <a:rPr lang="tr-TR" sz="1600" dirty="0" err="1"/>
+              <a:rPr lang="tr-TR" sz="793" dirty="0" err="1"/>
               <a:t>Performance</a:t>
             </a:r>
-            <a:endParaRPr lang="tr-TR" sz="1600" dirty="0"/>
+            <a:endParaRPr lang="tr-TR" sz="793" dirty="0"/>
           </a:p>
           <a:p>
             <a:pPr algn="ctr"/>
             <a:r>
-              <a:rPr lang="tr-TR" sz="1600" dirty="0"/>
+              <a:rPr lang="tr-TR" sz="793" dirty="0"/>
               <a:t>Data</a:t>
             </a:r>
           </a:p>
@@ -3513,14 +3570,14 @@
       </p:sp>
       <p:sp>
         <p:nvSpPr>
-          <p:cNvPr id="36" name="TextBox 35"/>
+          <p:cNvPr id="14" name="TextBox 13"/>
           <p:cNvSpPr txBox="1"/>
           <p:nvPr/>
         </p:nvSpPr>
         <p:spPr>
           <a:xfrm rot="16200000">
-            <a:off x="17360601" y="8230609"/>
-            <a:ext cx="1527982" cy="584775"/>
+            <a:off x="4142065" y="2341976"/>
+            <a:ext cx="856325" cy="336374"/>
           </a:xfrm>
           <a:prstGeom prst="rect">
             <a:avLst/>
@@ -3535,14 +3592,14 @@
           <a:p>
             <a:pPr algn="ctr"/>
             <a:r>
-              <a:rPr lang="tr-TR" sz="1600" dirty="0"/>
+              <a:rPr lang="tr-TR" sz="793" dirty="0"/>
               <a:t>Cluster Analysis </a:t>
             </a:r>
           </a:p>
           <a:p>
             <a:pPr algn="ctr"/>
             <a:r>
-              <a:rPr lang="tr-TR" sz="1600" dirty="0"/>
+              <a:rPr lang="tr-TR" sz="793" dirty="0"/>
               <a:t>Data</a:t>
             </a:r>
           </a:p>
@@ -3550,14 +3607,14 @@
       </p:sp>
       <p:sp>
         <p:nvSpPr>
-          <p:cNvPr id="40" name="TextBox 39"/>
+          <p:cNvPr id="15" name="TextBox 14"/>
           <p:cNvSpPr txBox="1"/>
           <p:nvPr/>
         </p:nvSpPr>
         <p:spPr>
           <a:xfrm rot="16200000">
-            <a:off x="19678746" y="8191032"/>
-            <a:ext cx="1230016" cy="584775"/>
+            <a:off x="5291892" y="2322357"/>
+            <a:ext cx="707245" cy="336374"/>
           </a:xfrm>
           <a:prstGeom prst="rect">
             <a:avLst/>
@@ -3572,22 +3629,22 @@
           <a:p>
             <a:pPr algn="ctr"/>
             <a:r>
-              <a:rPr lang="tr-TR" sz="1600" dirty="0" err="1"/>
+              <a:rPr lang="tr-TR" sz="793" dirty="0" err="1"/>
               <a:t>Mismatch</a:t>
             </a:r>
             <a:r>
-              <a:rPr lang="tr-TR" sz="1600" dirty="0"/>
+              <a:rPr lang="tr-TR" sz="793" dirty="0"/>
               <a:t> </a:t>
             </a:r>
           </a:p>
           <a:p>
             <a:pPr algn="ctr"/>
             <a:r>
-              <a:rPr lang="tr-TR" sz="1600" dirty="0" err="1"/>
+              <a:rPr lang="tr-TR" sz="793" dirty="0" err="1"/>
               <a:t>Pattern</a:t>
             </a:r>
             <a:r>
-              <a:rPr lang="tr-TR" sz="1600" dirty="0"/>
+              <a:rPr lang="tr-TR" sz="793" dirty="0"/>
               <a:t> Data</a:t>
             </a:r>
           </a:p>
@@ -3595,14 +3652,14 @@
       </p:sp>
       <p:sp>
         <p:nvSpPr>
-          <p:cNvPr id="59" name="Rectangle 58"/>
+          <p:cNvPr id="16" name="Rectangle 15"/>
           <p:cNvSpPr/>
           <p:nvPr/>
         </p:nvSpPr>
         <p:spPr>
           <a:xfrm>
-            <a:off x="23199227" y="6685829"/>
-            <a:ext cx="1676674" cy="451553"/>
+            <a:off x="7085801" y="1599451"/>
+            <a:ext cx="831154" cy="223842"/>
           </a:xfrm>
           <a:prstGeom prst="rect">
             <a:avLst/>
@@ -3625,7 +3682,7 @@
           </a:fontRef>
         </p:style>
         <p:txBody>
-          <a:bodyPr rot="0" spcFirstLastPara="0" vertOverflow="overflow" horzOverflow="overflow" vert="horz" wrap="square" lIns="91440" tIns="45720" rIns="91440" bIns="45720" numCol="1" spcCol="0" rtlCol="0" fromWordArt="0" anchor="ctr" anchorCtr="0" forceAA="0" compatLnSpc="1">
+          <a:bodyPr rot="0" spcFirstLastPara="0" vertOverflow="overflow" horzOverflow="overflow" vert="horz" wrap="square" lIns="45328" tIns="22664" rIns="45328" bIns="22664" numCol="1" spcCol="0" rtlCol="0" fromWordArt="0" anchor="ctr" anchorCtr="0" forceAA="0" compatLnSpc="1">
             <a:prstTxWarp prst="textNoShape">
               <a:avLst/>
             </a:prstTxWarp>
@@ -3635,14 +3692,14 @@
           <a:p>
             <a:pPr algn="ctr"/>
             <a:r>
-              <a:rPr lang="tr-TR" sz="2000" b="1" dirty="0" err="1">
+              <a:rPr lang="tr-TR" sz="991" b="1" dirty="0" err="1">
                 <a:solidFill>
                   <a:schemeClr val="tx1"/>
                 </a:solidFill>
               </a:rPr>
               <a:t>Visualizer</a:t>
             </a:r>
-            <a:endParaRPr lang="tr-TR" sz="2000" b="1" dirty="0">
+            <a:endParaRPr lang="tr-TR" sz="991" b="1" dirty="0">
               <a:solidFill>
                 <a:schemeClr val="tx1"/>
               </a:solidFill>
@@ -3652,14 +3709,14 @@
       </p:sp>
       <p:sp>
         <p:nvSpPr>
-          <p:cNvPr id="60" name="Rectangle 59"/>
+          <p:cNvPr id="17" name="Rectangle 16"/>
           <p:cNvSpPr/>
           <p:nvPr/>
         </p:nvSpPr>
         <p:spPr>
           <a:xfrm>
-            <a:off x="23199227" y="7359435"/>
-            <a:ext cx="1676674" cy="468979"/>
+            <a:off x="7085801" y="1933368"/>
+            <a:ext cx="831154" cy="232480"/>
           </a:xfrm>
           <a:prstGeom prst="rect">
             <a:avLst/>
@@ -3682,7 +3739,7 @@
           </a:fontRef>
         </p:style>
         <p:txBody>
-          <a:bodyPr rot="0" spcFirstLastPara="0" vertOverflow="overflow" horzOverflow="overflow" vert="horz" wrap="square" lIns="91440" tIns="45720" rIns="91440" bIns="45720" numCol="1" spcCol="0" rtlCol="0" fromWordArt="0" anchor="ctr" anchorCtr="0" forceAA="0" compatLnSpc="1">
+          <a:bodyPr rot="0" spcFirstLastPara="0" vertOverflow="overflow" horzOverflow="overflow" vert="horz" wrap="square" lIns="45328" tIns="22664" rIns="45328" bIns="22664" numCol="1" spcCol="0" rtlCol="0" fromWordArt="0" anchor="ctr" anchorCtr="0" forceAA="0" compatLnSpc="1">
             <a:prstTxWarp prst="textNoShape">
               <a:avLst/>
             </a:prstTxWarp>
@@ -3692,14 +3749,14 @@
           <a:p>
             <a:pPr algn="ctr"/>
             <a:r>
-              <a:rPr lang="tr-TR" sz="2000" b="1" dirty="0" err="1">
+              <a:rPr lang="tr-TR" sz="991" b="1" dirty="0" err="1">
                 <a:solidFill>
                   <a:schemeClr val="tx1"/>
                 </a:solidFill>
               </a:rPr>
               <a:t>Importer</a:t>
             </a:r>
-            <a:endParaRPr lang="tr-TR" sz="2000" b="1" dirty="0">
+            <a:endParaRPr lang="tr-TR" sz="991" b="1" dirty="0">
               <a:solidFill>
                 <a:schemeClr val="tx1"/>
               </a:solidFill>
@@ -3709,14 +3766,14 @@
       </p:sp>
       <p:sp>
         <p:nvSpPr>
-          <p:cNvPr id="61" name="Rectangle 60"/>
+          <p:cNvPr id="18" name="Rectangle 17"/>
           <p:cNvSpPr/>
           <p:nvPr/>
         </p:nvSpPr>
         <p:spPr>
           <a:xfrm>
-            <a:off x="23199227" y="8050466"/>
-            <a:ext cx="1676674" cy="470376"/>
+            <a:off x="7085801" y="2275924"/>
+            <a:ext cx="831154" cy="233173"/>
           </a:xfrm>
           <a:prstGeom prst="rect">
             <a:avLst/>
@@ -3739,7 +3796,7 @@
           </a:fontRef>
         </p:style>
         <p:txBody>
-          <a:bodyPr rot="0" spcFirstLastPara="0" vertOverflow="overflow" horzOverflow="overflow" vert="horz" wrap="square" lIns="91440" tIns="45720" rIns="91440" bIns="45720" numCol="1" spcCol="0" rtlCol="0" fromWordArt="0" anchor="ctr" anchorCtr="0" forceAA="0" compatLnSpc="1">
+          <a:bodyPr rot="0" spcFirstLastPara="0" vertOverflow="overflow" horzOverflow="overflow" vert="horz" wrap="square" lIns="45328" tIns="22664" rIns="45328" bIns="22664" numCol="1" spcCol="0" rtlCol="0" fromWordArt="0" anchor="ctr" anchorCtr="0" forceAA="0" compatLnSpc="1">
             <a:prstTxWarp prst="textNoShape">
               <a:avLst/>
             </a:prstTxWarp>
@@ -3749,14 +3806,14 @@
           <a:p>
             <a:pPr algn="ctr"/>
             <a:r>
-              <a:rPr lang="tr-TR" sz="2000" b="1" dirty="0" err="1">
+              <a:rPr lang="tr-TR" sz="991" b="1" dirty="0" err="1">
                 <a:solidFill>
                   <a:schemeClr val="tx1"/>
                 </a:solidFill>
               </a:rPr>
               <a:t>Exporter</a:t>
             </a:r>
-            <a:endParaRPr lang="tr-TR" sz="2000" b="1" dirty="0">
+            <a:endParaRPr lang="tr-TR" sz="991" b="1" dirty="0">
               <a:solidFill>
                 <a:schemeClr val="tx1"/>
               </a:solidFill>
@@ -3766,14 +3823,14 @@
       </p:sp>
       <p:cxnSp>
         <p:nvCxnSpPr>
-          <p:cNvPr id="64" name="Straight Arrow Connector 63"/>
+          <p:cNvPr id="19" name="Straight Arrow Connector 18"/>
           <p:cNvCxnSpPr/>
           <p:nvPr/>
         </p:nvCxnSpPr>
         <p:spPr>
           <a:xfrm>
-            <a:off x="14447051" y="7679529"/>
-            <a:ext cx="0" cy="1721523"/>
+            <a:off x="2747211" y="2092044"/>
+            <a:ext cx="0" cy="853386"/>
           </a:xfrm>
           <a:prstGeom prst="straightConnector1">
             <a:avLst/>
@@ -3799,14 +3856,14 @@
       </p:cxnSp>
       <p:sp>
         <p:nvSpPr>
-          <p:cNvPr id="65" name="TextBox 64"/>
+          <p:cNvPr id="20" name="TextBox 19"/>
           <p:cNvSpPr txBox="1"/>
           <p:nvPr/>
         </p:nvSpPr>
         <p:spPr>
           <a:xfrm rot="16200000">
-            <a:off x="13773955" y="8445764"/>
-            <a:ext cx="987065" cy="338554"/>
+            <a:off x="2365492" y="2448615"/>
+            <a:ext cx="585417" cy="214354"/>
           </a:xfrm>
           <a:prstGeom prst="rect">
             <a:avLst/>
@@ -3820,31 +3877,31 @@
           <a:lstStyle/>
           <a:p>
             <a:r>
-              <a:rPr lang="tr-TR" sz="1600" dirty="0" err="1"/>
+              <a:rPr lang="tr-TR" sz="793" dirty="0" err="1"/>
               <a:t>Event</a:t>
             </a:r>
             <a:r>
-              <a:rPr lang="tr-TR" sz="1600" dirty="0"/>
+              <a:rPr lang="tr-TR" sz="793" dirty="0"/>
               <a:t> </a:t>
             </a:r>
             <a:r>
-              <a:rPr lang="tr-TR" sz="1600" dirty="0" err="1"/>
+              <a:rPr lang="tr-TR" sz="793" dirty="0" err="1"/>
               <a:t>Log</a:t>
             </a:r>
-            <a:endParaRPr lang="tr-TR" sz="1600" dirty="0"/>
+            <a:endParaRPr lang="tr-TR" sz="793" dirty="0"/>
           </a:p>
         </p:txBody>
       </p:sp>
       <p:cxnSp>
         <p:nvCxnSpPr>
-          <p:cNvPr id="66" name="Straight Arrow Connector 65"/>
+          <p:cNvPr id="21" name="Straight Arrow Connector 20"/>
           <p:cNvCxnSpPr/>
           <p:nvPr/>
         </p:nvCxnSpPr>
         <p:spPr>
           <a:xfrm>
-            <a:off x="15043071" y="7691967"/>
-            <a:ext cx="0" cy="1721523"/>
+            <a:off x="3042667" y="2098209"/>
+            <a:ext cx="0" cy="853386"/>
           </a:xfrm>
           <a:prstGeom prst="straightConnector1">
             <a:avLst/>
@@ -3870,14 +3927,14 @@
       </p:cxnSp>
       <p:sp>
         <p:nvSpPr>
-          <p:cNvPr id="67" name="TextBox 66"/>
+          <p:cNvPr id="22" name="TextBox 21"/>
           <p:cNvSpPr txBox="1"/>
           <p:nvPr/>
         </p:nvSpPr>
         <p:spPr>
           <a:xfrm rot="16200000">
-            <a:off x="14150115" y="8353720"/>
-            <a:ext cx="1404423" cy="338554"/>
+            <a:off x="2552813" y="2402987"/>
+            <a:ext cx="790601" cy="214354"/>
           </a:xfrm>
           <a:prstGeom prst="rect">
             <a:avLst/>
@@ -3891,11 +3948,11 @@
           <a:lstStyle/>
           <a:p>
             <a:r>
-              <a:rPr lang="tr-TR" sz="1600" dirty="0" err="1"/>
+              <a:rPr lang="tr-TR" sz="793" dirty="0" err="1"/>
               <a:t>Process</a:t>
             </a:r>
             <a:r>
-              <a:rPr lang="tr-TR" sz="1600" dirty="0"/>
+              <a:rPr lang="tr-TR" sz="793" dirty="0"/>
               <a:t> Model</a:t>
             </a:r>
           </a:p>
@@ -3903,14 +3960,14 @@
       </p:sp>
       <p:cxnSp>
         <p:nvCxnSpPr>
-          <p:cNvPr id="68" name="Straight Arrow Connector 67"/>
+          <p:cNvPr id="23" name="Straight Arrow Connector 22"/>
           <p:cNvCxnSpPr/>
           <p:nvPr/>
         </p:nvCxnSpPr>
         <p:spPr>
           <a:xfrm flipV="1">
-            <a:off x="16052559" y="7732370"/>
-            <a:ext cx="1" cy="1677094"/>
+            <a:off x="3543087" y="2118238"/>
+            <a:ext cx="0" cy="831362"/>
           </a:xfrm>
           <a:prstGeom prst="straightConnector1">
             <a:avLst/>
@@ -3936,14 +3993,14 @@
       </p:cxnSp>
       <p:cxnSp>
         <p:nvCxnSpPr>
-          <p:cNvPr id="69" name="Straight Arrow Connector 68"/>
+          <p:cNvPr id="24" name="Straight Arrow Connector 23"/>
           <p:cNvCxnSpPr/>
           <p:nvPr/>
         </p:nvCxnSpPr>
         <p:spPr>
           <a:xfrm>
-            <a:off x="17258831" y="7694439"/>
-            <a:ext cx="0" cy="1721523"/>
+            <a:off x="4141054" y="2099435"/>
+            <a:ext cx="0" cy="853386"/>
           </a:xfrm>
           <a:prstGeom prst="straightConnector1">
             <a:avLst/>
@@ -3969,14 +4026,14 @@
       </p:cxnSp>
       <p:cxnSp>
         <p:nvCxnSpPr>
-          <p:cNvPr id="70" name="Straight Arrow Connector 69"/>
+          <p:cNvPr id="25" name="Straight Arrow Connector 24"/>
           <p:cNvCxnSpPr/>
           <p:nvPr/>
         </p:nvCxnSpPr>
         <p:spPr>
           <a:xfrm flipV="1">
-            <a:off x="18432520" y="7739756"/>
-            <a:ext cx="1" cy="1677094"/>
+            <a:off x="4722871" y="2121899"/>
+            <a:ext cx="0" cy="831362"/>
           </a:xfrm>
           <a:prstGeom prst="straightConnector1">
             <a:avLst/>
@@ -4002,14 +4059,14 @@
       </p:cxnSp>
       <p:sp>
         <p:nvSpPr>
-          <p:cNvPr id="71" name="TextBox 70"/>
+          <p:cNvPr id="26" name="TextBox 25"/>
           <p:cNvSpPr txBox="1"/>
           <p:nvPr/>
         </p:nvSpPr>
         <p:spPr>
           <a:xfrm rot="16200000">
-            <a:off x="16357372" y="8273039"/>
-            <a:ext cx="1258293" cy="584775"/>
+            <a:off x="3646031" y="2363010"/>
+            <a:ext cx="720069" cy="336374"/>
           </a:xfrm>
           <a:prstGeom prst="rect">
             <a:avLst/>
@@ -4024,15 +4081,15 @@
           <a:p>
             <a:pPr algn="ctr"/>
             <a:r>
-              <a:rPr lang="tr-TR" sz="1600" dirty="0" err="1"/>
+              <a:rPr lang="tr-TR" sz="793" dirty="0" err="1"/>
               <a:t>Performance</a:t>
             </a:r>
-            <a:endParaRPr lang="tr-TR" sz="1600" dirty="0"/>
+            <a:endParaRPr lang="tr-TR" sz="793" dirty="0"/>
           </a:p>
           <a:p>
             <a:pPr algn="ctr"/>
             <a:r>
-              <a:rPr lang="tr-TR" sz="1600" dirty="0"/>
+              <a:rPr lang="tr-TR" sz="793" dirty="0"/>
               <a:t>Data</a:t>
             </a:r>
           </a:p>
@@ -4040,14 +4097,14 @@
       </p:sp>
       <p:cxnSp>
         <p:nvCxnSpPr>
-          <p:cNvPr id="72" name="Straight Arrow Connector 71"/>
+          <p:cNvPr id="27" name="Straight Arrow Connector 26"/>
           <p:cNvCxnSpPr/>
           <p:nvPr/>
         </p:nvCxnSpPr>
         <p:spPr>
           <a:xfrm>
-            <a:off x="19517722" y="7716913"/>
-            <a:ext cx="0" cy="1721523"/>
+            <a:off x="5260822" y="2110576"/>
+            <a:ext cx="0" cy="853386"/>
           </a:xfrm>
           <a:prstGeom prst="straightConnector1">
             <a:avLst/>
@@ -4073,14 +4130,14 @@
       </p:cxnSp>
       <p:sp>
         <p:nvSpPr>
-          <p:cNvPr id="73" name="TextBox 72"/>
+          <p:cNvPr id="28" name="TextBox 27"/>
           <p:cNvSpPr txBox="1"/>
           <p:nvPr/>
         </p:nvSpPr>
         <p:spPr>
           <a:xfrm rot="16200000">
-            <a:off x="18624766" y="8378666"/>
-            <a:ext cx="1404423" cy="338554"/>
+            <a:off x="4770968" y="2415353"/>
+            <a:ext cx="790601" cy="214354"/>
           </a:xfrm>
           <a:prstGeom prst="rect">
             <a:avLst/>
@@ -4094,11 +4151,11 @@
           <a:lstStyle/>
           <a:p>
             <a:r>
-              <a:rPr lang="tr-TR" sz="1600" dirty="0" err="1"/>
+              <a:rPr lang="tr-TR" sz="793" dirty="0" err="1"/>
               <a:t>Process</a:t>
             </a:r>
             <a:r>
-              <a:rPr lang="tr-TR" sz="1600" dirty="0"/>
+              <a:rPr lang="tr-TR" sz="793" dirty="0"/>
               <a:t> Model</a:t>
             </a:r>
           </a:p>
@@ -4106,14 +4163,14 @@
       </p:sp>
       <p:cxnSp>
         <p:nvCxnSpPr>
-          <p:cNvPr id="74" name="Straight Arrow Connector 73"/>
+          <p:cNvPr id="29" name="Straight Arrow Connector 28"/>
           <p:cNvCxnSpPr/>
           <p:nvPr/>
         </p:nvCxnSpPr>
         <p:spPr>
           <a:xfrm flipV="1">
-            <a:off x="20668544" y="7739126"/>
-            <a:ext cx="1" cy="1677094"/>
+            <a:off x="5831303" y="2121587"/>
+            <a:ext cx="0" cy="831362"/>
           </a:xfrm>
           <a:prstGeom prst="straightConnector1">
             <a:avLst/>
@@ -4139,14 +4196,14 @@
       </p:cxnSp>
       <p:sp>
         <p:nvSpPr>
-          <p:cNvPr id="75" name="Rectangle 74"/>
+          <p:cNvPr id="30" name="Rectangle 29"/>
           <p:cNvSpPr/>
           <p:nvPr/>
         </p:nvSpPr>
         <p:spPr>
           <a:xfrm>
-            <a:off x="22975945" y="6274540"/>
-            <a:ext cx="2102949" cy="2505923"/>
+            <a:off x="6975118" y="1395570"/>
+            <a:ext cx="1042465" cy="1242225"/>
           </a:xfrm>
           <a:prstGeom prst="rect">
             <a:avLst/>
@@ -4171,7 +4228,7 @@
           </a:fontRef>
         </p:style>
         <p:txBody>
-          <a:bodyPr rot="0" spcFirstLastPara="0" vertOverflow="overflow" horzOverflow="overflow" vert="horz" wrap="square" lIns="91440" tIns="45720" rIns="91440" bIns="45720" numCol="1" spcCol="0" rtlCol="0" fromWordArt="0" anchor="t" anchorCtr="0" forceAA="0" compatLnSpc="1">
+          <a:bodyPr rot="0" spcFirstLastPara="0" vertOverflow="overflow" horzOverflow="overflow" vert="horz" wrap="square" lIns="45328" tIns="22664" rIns="45328" bIns="22664" numCol="1" spcCol="0" rtlCol="0" fromWordArt="0" anchor="t" anchorCtr="0" forceAA="0" compatLnSpc="1">
             <a:prstTxWarp prst="textNoShape">
               <a:avLst/>
             </a:prstTxWarp>
@@ -4181,7 +4238,7 @@
           <a:p>
             <a:pPr algn="ctr"/>
             <a:r>
-              <a:rPr lang="tr-TR" b="1" dirty="0">
+              <a:rPr lang="tr-TR" sz="892" b="1" dirty="0">
                 <a:solidFill>
                   <a:schemeClr val="tx1"/>
                 </a:solidFill>
@@ -4193,14 +4250,14 @@
       </p:sp>
       <p:cxnSp>
         <p:nvCxnSpPr>
-          <p:cNvPr id="78" name="Straight Arrow Connector 77"/>
+          <p:cNvPr id="31" name="Straight Arrow Connector 30"/>
           <p:cNvCxnSpPr/>
           <p:nvPr/>
         </p:nvCxnSpPr>
         <p:spPr>
           <a:xfrm>
-            <a:off x="20972942" y="6911604"/>
-            <a:ext cx="2003003" cy="0"/>
+            <a:off x="5982197" y="1711371"/>
+            <a:ext cx="992920" cy="0"/>
           </a:xfrm>
           <a:prstGeom prst="straightConnector1">
             <a:avLst/>
@@ -4227,14 +4284,14 @@
       </p:cxnSp>
       <p:sp>
         <p:nvSpPr>
-          <p:cNvPr id="81" name="TextBox 80"/>
+          <p:cNvPr id="32" name="TextBox 31"/>
           <p:cNvSpPr txBox="1"/>
           <p:nvPr/>
         </p:nvSpPr>
         <p:spPr>
           <a:xfrm>
-            <a:off x="21131328" y="6424218"/>
-            <a:ext cx="1686231" cy="523220"/>
+            <a:off x="6010421" y="1469767"/>
+            <a:ext cx="936475" cy="305981"/>
           </a:xfrm>
           <a:prstGeom prst="rect">
             <a:avLst/>
@@ -4249,19 +4306,19 @@
           <a:p>
             <a:pPr algn="ctr"/>
             <a:r>
-              <a:rPr lang="tr-TR" sz="1400" dirty="0"/>
+              <a:rPr lang="tr-TR" sz="694" dirty="0"/>
               <a:t>Cross-</a:t>
             </a:r>
             <a:r>
-              <a:rPr lang="tr-TR" sz="1400" dirty="0" err="1"/>
+              <a:rPr lang="tr-TR" sz="694" dirty="0" err="1"/>
               <a:t>Organizational</a:t>
             </a:r>
-            <a:endParaRPr lang="tr-TR" sz="1400" dirty="0"/>
+            <a:endParaRPr lang="tr-TR" sz="694" dirty="0"/>
           </a:p>
           <a:p>
             <a:pPr algn="ctr"/>
             <a:r>
-              <a:rPr lang="tr-TR" sz="1400" dirty="0"/>
+              <a:rPr lang="tr-TR" sz="694" dirty="0"/>
               <a:t>Data</a:t>
             </a:r>
           </a:p>
@@ -4269,14 +4326,14 @@
       </p:sp>
       <p:sp>
         <p:nvSpPr>
-          <p:cNvPr id="83" name="Rectangle 82"/>
+          <p:cNvPr id="33" name="Rectangle 32"/>
           <p:cNvSpPr/>
           <p:nvPr/>
         </p:nvSpPr>
         <p:spPr>
           <a:xfrm>
-            <a:off x="11125200" y="5765800"/>
-            <a:ext cx="14528800" cy="5016500"/>
+            <a:off x="1100517" y="1143378"/>
+            <a:ext cx="7202154" cy="2486758"/>
           </a:xfrm>
           <a:prstGeom prst="rect">
             <a:avLst/>
@@ -4306,31 +4363,31 @@
           <a:p>
             <a:pPr algn="ctr"/>
             <a:r>
-              <a:rPr lang="tr-TR" b="1" dirty="0" err="1" smtClean="0"/>
+              <a:rPr lang="tr-TR" sz="892" b="1" dirty="0" err="1"/>
               <a:t>CrossOrgProcMin</a:t>
             </a:r>
             <a:r>
-              <a:rPr lang="tr-TR" b="1" dirty="0" smtClean="0"/>
+              <a:rPr lang="tr-TR" sz="892" b="1" dirty="0"/>
               <a:t> </a:t>
             </a:r>
             <a:r>
-              <a:rPr lang="tr-TR" b="1" dirty="0" err="1" smtClean="0"/>
+              <a:rPr lang="tr-TR" sz="892" b="1" dirty="0" err="1"/>
               <a:t>Package</a:t>
             </a:r>
-            <a:endParaRPr lang="tr-TR" b="1" dirty="0"/>
-          </a:p>
-        </p:txBody>
-      </p:sp>
-      <p:sp>
-        <p:nvSpPr>
-          <p:cNvPr id="84" name="Rectangle 83"/>
+            <a:endParaRPr lang="tr-TR" sz="892" b="1" dirty="0"/>
+          </a:p>
+        </p:txBody>
+      </p:sp>
+      <p:sp>
+        <p:nvSpPr>
+          <p:cNvPr id="34" name="Rectangle 33"/>
           <p:cNvSpPr/>
           <p:nvPr/>
         </p:nvSpPr>
         <p:spPr>
           <a:xfrm>
-            <a:off x="14027114" y="11532614"/>
-            <a:ext cx="2102949" cy="1045708"/>
+            <a:off x="2539043" y="4002078"/>
+            <a:ext cx="1042465" cy="518374"/>
           </a:xfrm>
           <a:prstGeom prst="rect">
             <a:avLst/>
@@ -4355,7 +4412,7 @@
           </a:fontRef>
         </p:style>
         <p:txBody>
-          <a:bodyPr rot="0" spcFirstLastPara="0" vertOverflow="overflow" horzOverflow="overflow" vert="horz" wrap="square" lIns="91440" tIns="45720" rIns="91440" bIns="45720" numCol="1" spcCol="0" rtlCol="0" fromWordArt="0" anchor="ctr" anchorCtr="0" forceAA="0" compatLnSpc="1">
+          <a:bodyPr rot="0" spcFirstLastPara="0" vertOverflow="overflow" horzOverflow="overflow" vert="horz" wrap="square" lIns="45328" tIns="22664" rIns="45328" bIns="22664" numCol="1" spcCol="0" rtlCol="0" fromWordArt="0" anchor="ctr" anchorCtr="0" forceAA="0" compatLnSpc="1">
             <a:prstTxWarp prst="textNoShape">
               <a:avLst/>
             </a:prstTxWarp>
@@ -4365,7 +4422,7 @@
           <a:p>
             <a:pPr algn="ctr"/>
             <a:r>
-              <a:rPr lang="tr-TR" b="1" dirty="0" err="1" smtClean="0">
+              <a:rPr lang="tr-TR" sz="892" b="1" dirty="0" err="1">
                 <a:solidFill>
                   <a:schemeClr val="tx1"/>
                 </a:solidFill>
@@ -4373,7 +4430,7 @@
               <a:t>PNetReplayer</a:t>
             </a:r>
             <a:r>
-              <a:rPr lang="tr-TR" b="1" dirty="0" smtClean="0">
+              <a:rPr lang="tr-TR" sz="892" b="1" dirty="0">
                 <a:solidFill>
                   <a:schemeClr val="tx1"/>
                 </a:solidFill>
@@ -4381,14 +4438,14 @@
               <a:t> </a:t>
             </a:r>
             <a:r>
-              <a:rPr lang="tr-TR" b="1" dirty="0" err="1" smtClean="0">
+              <a:rPr lang="tr-TR" sz="892" b="1" dirty="0" err="1">
                 <a:solidFill>
                   <a:schemeClr val="tx1"/>
                 </a:solidFill>
               </a:rPr>
               <a:t>Package</a:t>
             </a:r>
-            <a:endParaRPr lang="tr-TR" b="1" dirty="0">
+            <a:endParaRPr lang="tr-TR" sz="892" b="1" dirty="0">
               <a:solidFill>
                 <a:schemeClr val="tx1"/>
               </a:solidFill>
@@ -4398,14 +4455,14 @@
       </p:sp>
       <p:sp>
         <p:nvSpPr>
-          <p:cNvPr id="85" name="Rectangle 84"/>
+          <p:cNvPr id="35" name="Rectangle 34"/>
           <p:cNvSpPr/>
           <p:nvPr/>
         </p:nvSpPr>
         <p:spPr>
           <a:xfrm>
-            <a:off x="16526040" y="13383306"/>
-            <a:ext cx="2102949" cy="1045708"/>
+            <a:off x="3777799" y="4919495"/>
+            <a:ext cx="1042465" cy="518374"/>
           </a:xfrm>
           <a:prstGeom prst="rect">
             <a:avLst/>
@@ -4430,7 +4487,7 @@
           </a:fontRef>
         </p:style>
         <p:txBody>
-          <a:bodyPr rot="0" spcFirstLastPara="0" vertOverflow="overflow" horzOverflow="overflow" vert="horz" wrap="square" lIns="91440" tIns="45720" rIns="91440" bIns="45720" numCol="1" spcCol="0" rtlCol="0" fromWordArt="0" anchor="ctr" anchorCtr="0" forceAA="0" compatLnSpc="1">
+          <a:bodyPr rot="0" spcFirstLastPara="0" vertOverflow="overflow" horzOverflow="overflow" vert="horz" wrap="square" lIns="45328" tIns="22664" rIns="45328" bIns="22664" numCol="1" spcCol="0" rtlCol="0" fromWordArt="0" anchor="ctr" anchorCtr="0" forceAA="0" compatLnSpc="1">
             <a:prstTxWarp prst="textNoShape">
               <a:avLst/>
             </a:prstTxWarp>
@@ -4440,14 +4497,14 @@
           <a:p>
             <a:pPr algn="ctr"/>
             <a:r>
-              <a:rPr lang="tr-TR" b="1" dirty="0" smtClean="0">
+              <a:rPr lang="tr-TR" sz="892" b="1" dirty="0">
                 <a:solidFill>
                   <a:schemeClr val="tx1"/>
                 </a:solidFill>
               </a:rPr>
               <a:t>WEKA Library</a:t>
             </a:r>
-            <a:endParaRPr lang="tr-TR" b="1" dirty="0">
+            <a:endParaRPr lang="tr-TR" sz="892" b="1" dirty="0">
               <a:solidFill>
                 <a:schemeClr val="tx1"/>
               </a:solidFill>
@@ -4457,14 +4514,14 @@
       </p:sp>
       <p:sp>
         <p:nvSpPr>
-          <p:cNvPr id="86" name="Rectangle 85"/>
+          <p:cNvPr id="36" name="Rectangle 35"/>
           <p:cNvSpPr/>
           <p:nvPr/>
         </p:nvSpPr>
         <p:spPr>
           <a:xfrm>
-            <a:off x="11489325" y="11509903"/>
-            <a:ext cx="2102949" cy="1045708"/>
+            <a:off x="1281021" y="3990820"/>
+            <a:ext cx="1042465" cy="518374"/>
           </a:xfrm>
           <a:prstGeom prst="rect">
             <a:avLst/>
@@ -4489,7 +4546,7 @@
           </a:fontRef>
         </p:style>
         <p:txBody>
-          <a:bodyPr rot="0" spcFirstLastPara="0" vertOverflow="overflow" horzOverflow="overflow" vert="horz" wrap="square" lIns="91440" tIns="45720" rIns="91440" bIns="45720" numCol="1" spcCol="0" rtlCol="0" fromWordArt="0" anchor="ctr" anchorCtr="0" forceAA="0" compatLnSpc="1">
+          <a:bodyPr rot="0" spcFirstLastPara="0" vertOverflow="overflow" horzOverflow="overflow" vert="horz" wrap="square" lIns="45328" tIns="22664" rIns="45328" bIns="22664" numCol="1" spcCol="0" rtlCol="0" fromWordArt="0" anchor="ctr" anchorCtr="0" forceAA="0" compatLnSpc="1">
             <a:prstTxWarp prst="textNoShape">
               <a:avLst/>
             </a:prstTxWarp>
@@ -4499,7 +4556,7 @@
           <a:p>
             <a:pPr algn="ctr"/>
             <a:r>
-              <a:rPr lang="tr-TR" b="1" dirty="0" err="1" smtClean="0">
+              <a:rPr lang="tr-TR" sz="892" b="1" dirty="0" err="1">
                 <a:solidFill>
                   <a:schemeClr val="tx1"/>
                 </a:solidFill>
@@ -4507,7 +4564,7 @@
               <a:t>InductiveMiner</a:t>
             </a:r>
             <a:r>
-              <a:rPr lang="tr-TR" b="1" dirty="0" smtClean="0">
+              <a:rPr lang="tr-TR" sz="892" b="1" dirty="0">
                 <a:solidFill>
                   <a:schemeClr val="tx1"/>
                 </a:solidFill>
@@ -4515,14 +4572,14 @@
               <a:t> </a:t>
             </a:r>
             <a:r>
-              <a:rPr lang="tr-TR" b="1" dirty="0" err="1" smtClean="0">
+              <a:rPr lang="tr-TR" sz="892" b="1" dirty="0" err="1">
                 <a:solidFill>
                   <a:schemeClr val="tx1"/>
                 </a:solidFill>
               </a:rPr>
               <a:t>Package</a:t>
             </a:r>
-            <a:endParaRPr lang="tr-TR" b="1" dirty="0">
+            <a:endParaRPr lang="tr-TR" sz="892" b="1" dirty="0">
               <a:solidFill>
                 <a:schemeClr val="tx1"/>
               </a:solidFill>
@@ -4532,14 +4589,14 @@
       </p:sp>
       <p:sp>
         <p:nvSpPr>
-          <p:cNvPr id="87" name="Rectangle 86"/>
+          <p:cNvPr id="37" name="Rectangle 36"/>
           <p:cNvSpPr/>
           <p:nvPr/>
         </p:nvSpPr>
         <p:spPr>
           <a:xfrm>
-            <a:off x="18921863" y="11509903"/>
-            <a:ext cx="2102949" cy="1045708"/>
+            <a:off x="4965446" y="3990820"/>
+            <a:ext cx="1042465" cy="518374"/>
           </a:xfrm>
           <a:prstGeom prst="rect">
             <a:avLst/>
@@ -4564,7 +4621,7 @@
           </a:fontRef>
         </p:style>
         <p:txBody>
-          <a:bodyPr rot="0" spcFirstLastPara="0" vertOverflow="overflow" horzOverflow="overflow" vert="horz" wrap="square" lIns="91440" tIns="45720" rIns="91440" bIns="45720" numCol="1" spcCol="0" rtlCol="0" fromWordArt="0" anchor="ctr" anchorCtr="0" forceAA="0" compatLnSpc="1">
+          <a:bodyPr rot="0" spcFirstLastPara="0" vertOverflow="overflow" horzOverflow="overflow" vert="horz" wrap="square" lIns="45328" tIns="22664" rIns="45328" bIns="22664" numCol="1" spcCol="0" rtlCol="0" fromWordArt="0" anchor="ctr" anchorCtr="0" forceAA="0" compatLnSpc="1">
             <a:prstTxWarp prst="textNoShape">
               <a:avLst/>
             </a:prstTxWarp>
@@ -4574,7 +4631,7 @@
           <a:p>
             <a:pPr algn="ctr"/>
             <a:r>
-              <a:rPr lang="tr-TR" b="1" dirty="0" smtClean="0">
+              <a:rPr lang="tr-TR" sz="892" b="1" dirty="0">
                 <a:solidFill>
                   <a:schemeClr val="tx1"/>
                 </a:solidFill>
@@ -4582,14 +4639,14 @@
               <a:t>BPMN </a:t>
             </a:r>
             <a:r>
-              <a:rPr lang="tr-TR" b="1" dirty="0" err="1" smtClean="0">
+              <a:rPr lang="tr-TR" sz="892" b="1" dirty="0" err="1">
                 <a:solidFill>
                   <a:schemeClr val="tx1"/>
                 </a:solidFill>
               </a:rPr>
               <a:t>Package</a:t>
             </a:r>
-            <a:endParaRPr lang="tr-TR" b="1" dirty="0">
+            <a:endParaRPr lang="tr-TR" sz="892" b="1" dirty="0">
               <a:solidFill>
                 <a:schemeClr val="tx1"/>
               </a:solidFill>
@@ -4599,14 +4656,14 @@
       </p:sp>
       <p:sp>
         <p:nvSpPr>
-          <p:cNvPr id="88" name="Rectangle 87"/>
+          <p:cNvPr id="38" name="Rectangle 37"/>
           <p:cNvSpPr/>
           <p:nvPr/>
         </p:nvSpPr>
         <p:spPr>
           <a:xfrm>
-            <a:off x="10827657" y="5019251"/>
-            <a:ext cx="15283542" cy="7825892"/>
+            <a:off x="953022" y="773303"/>
+            <a:ext cx="7576291" cy="3879417"/>
           </a:xfrm>
           <a:prstGeom prst="rect">
             <a:avLst/>
@@ -4636,30 +4693,30 @@
           <a:p>
             <a:pPr algn="ctr"/>
             <a:r>
-              <a:rPr lang="tr-TR" sz="2400" b="1" dirty="0" err="1" smtClean="0"/>
+              <a:rPr lang="tr-TR" sz="1190" b="1" dirty="0" err="1"/>
               <a:t>ProM</a:t>
             </a:r>
             <a:r>
-              <a:rPr lang="tr-TR" sz="2400" b="1" dirty="0" smtClean="0"/>
+              <a:rPr lang="tr-TR" sz="1190" b="1" dirty="0"/>
               <a:t> Environment</a:t>
             </a:r>
-            <a:endParaRPr lang="tr-TR" sz="2400" b="1" dirty="0"/>
+            <a:endParaRPr lang="tr-TR" sz="1190" b="1" dirty="0"/>
           </a:p>
         </p:txBody>
       </p:sp>
       <p:cxnSp>
         <p:nvCxnSpPr>
-          <p:cNvPr id="89" name="Straight Arrow Connector 88"/>
+          <p:cNvPr id="39" name="Straight Arrow Connector 38"/>
           <p:cNvCxnSpPr>
-            <a:stCxn id="87" idx="0"/>
+            <a:stCxn id="37" idx="0"/>
             <a:endCxn id="8" idx="2"/>
           </p:cNvCxnSpPr>
           <p:nvPr/>
         </p:nvCxnSpPr>
         <p:spPr>
           <a:xfrm flipH="1" flipV="1">
-            <a:off x="19961010" y="10311233"/>
-            <a:ext cx="12328" cy="1198670"/>
+            <a:off x="5480568" y="3396622"/>
+            <a:ext cx="6111" cy="594199"/>
           </a:xfrm>
           <a:prstGeom prst="straightConnector1">
             <a:avLst/>
@@ -4686,17 +4743,17 @@
       </p:cxnSp>
       <p:cxnSp>
         <p:nvCxnSpPr>
-          <p:cNvPr id="92" name="Straight Arrow Connector 91"/>
+          <p:cNvPr id="40" name="Straight Arrow Connector 39"/>
           <p:cNvCxnSpPr>
-            <a:stCxn id="84" idx="0"/>
+            <a:stCxn id="34" idx="0"/>
             <a:endCxn id="6" idx="2"/>
           </p:cNvCxnSpPr>
           <p:nvPr/>
         </p:nvCxnSpPr>
         <p:spPr>
           <a:xfrm flipH="1" flipV="1">
-            <a:off x="15076571" y="10285134"/>
-            <a:ext cx="2018" cy="1247480"/>
+            <a:off x="3059274" y="3383684"/>
+            <a:ext cx="1000" cy="618395"/>
           </a:xfrm>
           <a:prstGeom prst="straightConnector1">
             <a:avLst/>
@@ -4723,17 +4780,17 @@
       </p:cxnSp>
       <p:cxnSp>
         <p:nvCxnSpPr>
-          <p:cNvPr id="95" name="Straight Arrow Connector 94"/>
+          <p:cNvPr id="41" name="Straight Arrow Connector 40"/>
           <p:cNvCxnSpPr>
-            <a:stCxn id="86" idx="0"/>
+            <a:stCxn id="36" idx="0"/>
             <a:endCxn id="5" idx="2"/>
           </p:cNvCxnSpPr>
           <p:nvPr/>
         </p:nvCxnSpPr>
         <p:spPr>
           <a:xfrm flipV="1">
-            <a:off x="12540800" y="10311234"/>
-            <a:ext cx="1" cy="1198669"/>
+            <a:off x="1802253" y="3396622"/>
+            <a:ext cx="0" cy="594199"/>
           </a:xfrm>
           <a:prstGeom prst="straightConnector1">
             <a:avLst/>
@@ -4760,17 +4817,17 @@
       </p:cxnSp>
       <p:cxnSp>
         <p:nvCxnSpPr>
-          <p:cNvPr id="98" name="Straight Arrow Connector 97"/>
+          <p:cNvPr id="42" name="Straight Arrow Connector 41"/>
           <p:cNvCxnSpPr>
-            <a:stCxn id="85" idx="0"/>
+            <a:stCxn id="35" idx="0"/>
             <a:endCxn id="7" idx="2"/>
           </p:cNvCxnSpPr>
           <p:nvPr/>
         </p:nvCxnSpPr>
         <p:spPr>
           <a:xfrm flipV="1">
-            <a:off x="17577515" y="10311233"/>
-            <a:ext cx="956" cy="3072073"/>
+            <a:off x="4299031" y="3396622"/>
+            <a:ext cx="474" cy="1522875"/>
           </a:xfrm>
           <a:prstGeom prst="straightConnector1">
             <a:avLst/>
@@ -4798,7 +4855,7 @@
     </p:spTree>
     <p:extLst>
       <p:ext uri="{BB962C8B-B14F-4D97-AF65-F5344CB8AC3E}">
-        <p14:creationId xmlns:p14="http://schemas.microsoft.com/office/powerpoint/2010/main" val="4213096955"/>
+        <p14:creationId xmlns:p14="http://schemas.microsoft.com/office/powerpoint/2010/main" val="741353897"/>
       </p:ext>
     </p:extLst>
   </p:cSld>
@@ -4818,7 +4875,7 @@
 <file path=ppt/theme/theme1.xml><?xml version="1.0" encoding="utf-8"?>
 <a:theme xmlns:a="http://schemas.openxmlformats.org/drawingml/2006/main" name="Office Theme">
   <a:themeElements>
-    <a:clrScheme name="Office Theme">
+    <a:clrScheme name="Office">
       <a:dk1>
         <a:sysClr val="windowText" lastClr="000000"/>
       </a:dk1>
@@ -4856,7 +4913,7 @@
         <a:srgbClr val="954F72"/>
       </a:folHlink>
     </a:clrScheme>
-    <a:fontScheme name="Office Theme">
+    <a:fontScheme name="Office">
       <a:majorFont>
         <a:latin typeface="Calibri Light" panose="020F0302020204030204"/>
         <a:ea typeface=""/>
@@ -4928,7 +4985,7 @@
         <a:font script="Geor" typeface="Sylfaen"/>
       </a:minorFont>
     </a:fontScheme>
-    <a:fmtScheme name="Office Theme">
+    <a:fmtScheme name="Office">
       <a:fillStyleLst>
         <a:solidFill>
           <a:schemeClr val="phClr"/>
